--- a/agent-skills-intro.pptx
+++ b/agent-skills-intro.pptx
@@ -5,7 +5,7 @@
     <p:sldMasterId id="2147484017" r:id="rId1"/>
   </p:sldMasterIdLst>
   <p:notesMasterIdLst>
-    <p:notesMasterId r:id="rId25"/>
+    <p:notesMasterId r:id="rId26"/>
   </p:notesMasterIdLst>
   <p:sldIdLst>
     <p:sldId id="256" r:id="rId2"/>
@@ -14,23 +14,24 @@
     <p:sldId id="287" r:id="rId5"/>
     <p:sldId id="288" r:id="rId6"/>
     <p:sldId id="290" r:id="rId7"/>
-    <p:sldId id="302" r:id="rId8"/>
-    <p:sldId id="292" r:id="rId9"/>
-    <p:sldId id="295" r:id="rId10"/>
-    <p:sldId id="297" r:id="rId11"/>
-    <p:sldId id="300" r:id="rId12"/>
-    <p:sldId id="298" r:id="rId13"/>
-    <p:sldId id="294" r:id="rId14"/>
-    <p:sldId id="293" r:id="rId15"/>
-    <p:sldId id="291" r:id="rId16"/>
-    <p:sldId id="289" r:id="rId17"/>
-    <p:sldId id="279" r:id="rId18"/>
-    <p:sldId id="280" r:id="rId19"/>
-    <p:sldId id="284" r:id="rId20"/>
-    <p:sldId id="283" r:id="rId21"/>
-    <p:sldId id="281" r:id="rId22"/>
-    <p:sldId id="282" r:id="rId23"/>
-    <p:sldId id="285" r:id="rId24"/>
+    <p:sldId id="303" r:id="rId8"/>
+    <p:sldId id="302" r:id="rId9"/>
+    <p:sldId id="292" r:id="rId10"/>
+    <p:sldId id="295" r:id="rId11"/>
+    <p:sldId id="297" r:id="rId12"/>
+    <p:sldId id="300" r:id="rId13"/>
+    <p:sldId id="298" r:id="rId14"/>
+    <p:sldId id="294" r:id="rId15"/>
+    <p:sldId id="293" r:id="rId16"/>
+    <p:sldId id="291" r:id="rId17"/>
+    <p:sldId id="289" r:id="rId18"/>
+    <p:sldId id="279" r:id="rId19"/>
+    <p:sldId id="280" r:id="rId20"/>
+    <p:sldId id="284" r:id="rId21"/>
+    <p:sldId id="283" r:id="rId22"/>
+    <p:sldId id="281" r:id="rId23"/>
+    <p:sldId id="282" r:id="rId24"/>
+    <p:sldId id="304" r:id="rId25"/>
   </p:sldIdLst>
   <p:sldSz cx="12192000" cy="6858000"/>
   <p:notesSz cx="6858000" cy="9144000"/>
@@ -219,7 +220,7 @@
           <a:p>
             <a:fld id="{CCF047F2-EF06-411F-AFCA-9AECA3FD70F0}" type="datetimeFigureOut">
               <a:rPr lang="en-US" smtClean="0"/>
-              <a:t>12/28/25</a:t>
+              <a:t>12/28/2025</a:t>
             </a:fld>
             <a:endParaRPr lang="en-US"/>
           </a:p>
@@ -1341,90 +1342,480 @@
           <a:p>
             <a:r>
               <a:rPr lang="en-US" dirty="0"/>
-              <a:t>https://</a:t>
-            </a:r>
-            <a:r>
-              <a:rPr lang="en-US" dirty="0" err="1"/>
-              <a:t>github.com</a:t>
-            </a:r>
-            <a:r>
-              <a:rPr lang="en-US" dirty="0"/>
-              <a:t>/</a:t>
-            </a:r>
-            <a:r>
-              <a:rPr lang="en-US" dirty="0" err="1"/>
-              <a:t>anthropics</a:t>
-            </a:r>
-            <a:r>
-              <a:rPr lang="en-US" dirty="0"/>
-              <a:t>/skills</a:t>
-            </a:r>
-          </a:p>
-          <a:p>
-            <a:r>
-              <a:rPr lang="en-US" dirty="0"/>
-              <a:t>https://</a:t>
-            </a:r>
-            <a:r>
-              <a:rPr lang="en-US" dirty="0" err="1"/>
-              <a:t>github.com</a:t>
-            </a:r>
-            <a:r>
-              <a:rPr lang="en-US" dirty="0"/>
-              <a:t>/</a:t>
-            </a:r>
-            <a:r>
-              <a:rPr lang="en-US" dirty="0" err="1"/>
-              <a:t>agentskills</a:t>
-            </a:r>
-            <a:r>
-              <a:rPr lang="en-US" dirty="0"/>
-              <a:t>/</a:t>
-            </a:r>
-            <a:r>
-              <a:rPr lang="en-US" dirty="0" err="1"/>
-              <a:t>agentskills</a:t>
+              <a:t>https://cursor.com/docs/context/skills</a:t>
+            </a:r>
+          </a:p>
+          <a:p>
+            <a:r>
+              <a:rPr lang="en-CN" dirty="0"/>
+              <a:t>https://github.com/anthropics/skills</a:t>
             </a:r>
             <a:endParaRPr lang="en-US" dirty="0"/>
           </a:p>
           <a:p>
-            <a:r>
-              <a:rPr lang="en-US" dirty="0"/>
-              <a:t>https://</a:t>
-            </a:r>
-            <a:r>
-              <a:rPr lang="en-US" dirty="0" err="1"/>
-              <a:t>github.com</a:t>
-            </a:r>
-            <a:r>
-              <a:rPr lang="en-US" dirty="0"/>
-              <a:t>/</a:t>
-            </a:r>
-            <a:r>
-              <a:rPr lang="en-US" dirty="0" err="1"/>
-              <a:t>anthropics</a:t>
-            </a:r>
-            <a:r>
-              <a:rPr lang="en-US" dirty="0"/>
-              <a:t>/skills/tree/main</a:t>
-            </a:r>
-          </a:p>
-          <a:p>
             <a:endParaRPr lang="en-US" dirty="0"/>
           </a:p>
           <a:p>
-            <a:r>
-              <a:rPr lang="en-US" dirty="0"/>
-              <a:t>https://</a:t>
-            </a:r>
-            <a:r>
-              <a:rPr lang="en-US" dirty="0" err="1"/>
-              <a:t>www.anthropic.com</a:t>
-            </a:r>
-            <a:r>
-              <a:rPr lang="en-US" dirty="0"/>
-              <a:t>/engineering/equipping-agents-for-the-real-world-with-agent-skills</a:t>
-            </a:r>
+            <a:endParaRPr lang="en-US" dirty="0"/>
+          </a:p>
+          <a:p>
+            <a:endParaRPr lang="en-US" dirty="0"/>
+          </a:p>
+          <a:p>
+            <a:r>
+              <a:rPr lang="zh-CN" altLang="en-US" sz="1200" b="0" i="0" kern="1200" dirty="0">
+                <a:solidFill>
+                  <a:schemeClr val="tx1"/>
+                </a:solidFill>
+                <a:effectLst/>
+                <a:latin typeface="+mn-lt"/>
+                <a:ea typeface="+mn-ea"/>
+                <a:cs typeface="+mn-cs"/>
+              </a:rPr>
+              <a:t>它解决了传统 </a:t>
+            </a:r>
+            <a:r>
+              <a:rPr lang="en-US" altLang="zh-CN" sz="1200" b="0" i="0" kern="1200" dirty="0">
+                <a:solidFill>
+                  <a:schemeClr val="tx1"/>
+                </a:solidFill>
+                <a:effectLst/>
+                <a:latin typeface="+mn-lt"/>
+                <a:ea typeface="+mn-ea"/>
+                <a:cs typeface="+mn-cs"/>
+              </a:rPr>
+              <a:t>AI </a:t>
+            </a:r>
+            <a:r>
+              <a:rPr lang="zh-CN" altLang="en-US" sz="1200" b="0" i="0" kern="1200" dirty="0">
+                <a:solidFill>
+                  <a:schemeClr val="tx1"/>
+                </a:solidFill>
+                <a:effectLst/>
+                <a:latin typeface="+mn-lt"/>
+                <a:ea typeface="+mn-ea"/>
+                <a:cs typeface="+mn-cs"/>
+              </a:rPr>
+              <a:t>交互的三大痛点：</a:t>
+            </a:r>
+          </a:p>
+          <a:p>
+            <a:r>
+              <a:rPr lang="en-US" altLang="zh-CN" sz="1200" b="1" i="0" kern="1200" dirty="0">
+                <a:solidFill>
+                  <a:schemeClr val="tx1"/>
+                </a:solidFill>
+                <a:effectLst/>
+                <a:latin typeface="+mn-lt"/>
+                <a:ea typeface="+mn-ea"/>
+                <a:cs typeface="+mn-cs"/>
+              </a:rPr>
+              <a:t>1. </a:t>
+            </a:r>
+            <a:r>
+              <a:rPr lang="zh-CN" altLang="en-US" sz="1200" b="1" i="0" kern="1200" dirty="0">
+                <a:solidFill>
+                  <a:schemeClr val="tx1"/>
+                </a:solidFill>
+                <a:effectLst/>
+                <a:latin typeface="+mn-lt"/>
+                <a:ea typeface="+mn-ea"/>
+                <a:cs typeface="+mn-cs"/>
+              </a:rPr>
+              <a:t>告别重复指导</a:t>
+            </a:r>
+            <a:r>
+              <a:rPr lang="zh-CN" altLang="en-US" sz="1200" b="0" i="0" kern="1200" dirty="0">
+                <a:solidFill>
+                  <a:schemeClr val="tx1"/>
+                </a:solidFill>
+                <a:effectLst/>
+                <a:latin typeface="+mn-lt"/>
+                <a:ea typeface="+mn-ea"/>
+                <a:cs typeface="+mn-cs"/>
+              </a:rPr>
+              <a:t>：每次对话不再需要重新说明工作流程，技能包创建一次，</a:t>
+            </a:r>
+            <a:r>
+              <a:rPr lang="en-US" altLang="zh-CN" sz="1200" b="0" i="0" kern="1200" dirty="0">
+                <a:solidFill>
+                  <a:schemeClr val="tx1"/>
+                </a:solidFill>
+                <a:effectLst/>
+                <a:latin typeface="+mn-lt"/>
+                <a:ea typeface="+mn-ea"/>
+                <a:cs typeface="+mn-cs"/>
+              </a:rPr>
+              <a:t>AI </a:t>
+            </a:r>
+            <a:r>
+              <a:rPr lang="zh-CN" altLang="en-US" sz="1200" b="0" i="0" kern="1200" dirty="0">
+                <a:solidFill>
+                  <a:schemeClr val="tx1"/>
+                </a:solidFill>
+                <a:effectLst/>
+                <a:latin typeface="+mn-lt"/>
+                <a:ea typeface="+mn-ea"/>
+                <a:cs typeface="+mn-cs"/>
+              </a:rPr>
+              <a:t>就能在所有对话中自动使用</a:t>
+            </a:r>
+          </a:p>
+          <a:p>
+            <a:r>
+              <a:rPr lang="en-US" altLang="zh-CN" sz="1200" b="1" i="0" kern="1200" dirty="0">
+                <a:solidFill>
+                  <a:schemeClr val="tx1"/>
+                </a:solidFill>
+                <a:effectLst/>
+                <a:latin typeface="+mn-lt"/>
+                <a:ea typeface="+mn-ea"/>
+                <a:cs typeface="+mn-cs"/>
+              </a:rPr>
+              <a:t>2. </a:t>
+            </a:r>
+            <a:r>
+              <a:rPr lang="zh-CN" altLang="en-US" sz="1200" b="1" i="0" kern="1200" dirty="0">
+                <a:solidFill>
+                  <a:schemeClr val="tx1"/>
+                </a:solidFill>
+                <a:effectLst/>
+                <a:latin typeface="+mn-lt"/>
+                <a:ea typeface="+mn-ea"/>
+                <a:cs typeface="+mn-cs"/>
+              </a:rPr>
+              <a:t>高效利用资源</a:t>
+            </a:r>
+            <a:r>
+              <a:rPr lang="zh-CN" altLang="en-US" sz="1200" b="0" i="0" kern="1200" dirty="0">
+                <a:solidFill>
+                  <a:schemeClr val="tx1"/>
+                </a:solidFill>
+                <a:effectLst/>
+                <a:latin typeface="+mn-lt"/>
+                <a:ea typeface="+mn-ea"/>
+                <a:cs typeface="+mn-cs"/>
+              </a:rPr>
+              <a:t>：采用</a:t>
+            </a:r>
+            <a:r>
+              <a:rPr lang="en-US" altLang="zh-CN" sz="1200" b="0" i="0" kern="1200" dirty="0">
+                <a:solidFill>
+                  <a:schemeClr val="tx1"/>
+                </a:solidFill>
+                <a:effectLst/>
+                <a:latin typeface="+mn-lt"/>
+                <a:ea typeface="+mn-ea"/>
+                <a:cs typeface="+mn-cs"/>
+              </a:rPr>
+              <a:t>"</a:t>
+            </a:r>
+            <a:r>
+              <a:rPr lang="zh-CN" altLang="en-US" sz="1200" b="0" i="0" kern="1200" dirty="0">
+                <a:solidFill>
+                  <a:schemeClr val="tx1"/>
+                </a:solidFill>
+                <a:effectLst/>
+                <a:latin typeface="+mn-lt"/>
+                <a:ea typeface="+mn-ea"/>
+                <a:cs typeface="+mn-cs"/>
+              </a:rPr>
+              <a:t>渐进式加载</a:t>
+            </a:r>
+            <a:r>
+              <a:rPr lang="en-US" altLang="zh-CN" sz="1200" b="0" i="0" kern="1200" dirty="0">
+                <a:solidFill>
+                  <a:schemeClr val="tx1"/>
+                </a:solidFill>
+                <a:effectLst/>
+                <a:latin typeface="+mn-lt"/>
+                <a:ea typeface="+mn-ea"/>
+                <a:cs typeface="+mn-cs"/>
+              </a:rPr>
+              <a:t>"</a:t>
+            </a:r>
+            <a:r>
+              <a:rPr lang="zh-CN" altLang="en-US" sz="1200" b="0" i="0" kern="1200" dirty="0">
+                <a:solidFill>
+                  <a:schemeClr val="tx1"/>
+                </a:solidFill>
+                <a:effectLst/>
+                <a:latin typeface="+mn-lt"/>
+                <a:ea typeface="+mn-ea"/>
+                <a:cs typeface="+mn-cs"/>
+              </a:rPr>
+              <a:t>机制，</a:t>
+            </a:r>
+            <a:r>
+              <a:rPr lang="en-US" altLang="zh-CN" sz="1200" b="0" i="0" kern="1200" dirty="0">
+                <a:solidFill>
+                  <a:schemeClr val="tx1"/>
+                </a:solidFill>
+                <a:effectLst/>
+                <a:latin typeface="+mn-lt"/>
+                <a:ea typeface="+mn-ea"/>
+                <a:cs typeface="+mn-cs"/>
+              </a:rPr>
+              <a:t>AI </a:t>
+            </a:r>
+            <a:r>
+              <a:rPr lang="zh-CN" altLang="en-US" sz="1200" b="0" i="0" kern="1200" dirty="0">
+                <a:solidFill>
+                  <a:schemeClr val="tx1"/>
+                </a:solidFill>
+                <a:effectLst/>
+                <a:latin typeface="+mn-lt"/>
+                <a:ea typeface="+mn-ea"/>
+                <a:cs typeface="+mn-cs"/>
+              </a:rPr>
+              <a:t>只在需要时才调用技能，避免上下文窗口爆炸</a:t>
+            </a:r>
+          </a:p>
+          <a:p>
+            <a:r>
+              <a:rPr lang="en-US" altLang="zh-CN" sz="1200" b="1" i="0" kern="1200" dirty="0">
+                <a:solidFill>
+                  <a:schemeClr val="tx1"/>
+                </a:solidFill>
+                <a:effectLst/>
+                <a:latin typeface="+mn-lt"/>
+                <a:ea typeface="+mn-ea"/>
+                <a:cs typeface="+mn-cs"/>
+              </a:rPr>
+              <a:t>3. </a:t>
+            </a:r>
+            <a:r>
+              <a:rPr lang="zh-CN" altLang="en-US" sz="1200" b="1" i="0" kern="1200" dirty="0">
+                <a:solidFill>
+                  <a:schemeClr val="tx1"/>
+                </a:solidFill>
+                <a:effectLst/>
+                <a:latin typeface="+mn-lt"/>
+                <a:ea typeface="+mn-ea"/>
+                <a:cs typeface="+mn-cs"/>
+              </a:rPr>
+              <a:t>专业能力加持</a:t>
+            </a:r>
+            <a:r>
+              <a:rPr lang="zh-CN" altLang="en-US" sz="1200" b="0" i="0" kern="1200" dirty="0">
+                <a:solidFill>
+                  <a:schemeClr val="tx1"/>
+                </a:solidFill>
+                <a:effectLst/>
+                <a:latin typeface="+mn-lt"/>
+                <a:ea typeface="+mn-ea"/>
+                <a:cs typeface="+mn-cs"/>
+              </a:rPr>
+              <a:t>：将通用 </a:t>
+            </a:r>
+            <a:r>
+              <a:rPr lang="en-US" altLang="zh-CN" sz="1200" b="0" i="0" kern="1200" dirty="0">
+                <a:solidFill>
+                  <a:schemeClr val="tx1"/>
+                </a:solidFill>
+                <a:effectLst/>
+                <a:latin typeface="+mn-lt"/>
+                <a:ea typeface="+mn-ea"/>
+                <a:cs typeface="+mn-cs"/>
+              </a:rPr>
+              <a:t>AI </a:t>
+            </a:r>
+            <a:r>
+              <a:rPr lang="zh-CN" altLang="en-US" sz="1200" b="0" i="0" kern="1200" dirty="0">
+                <a:solidFill>
+                  <a:schemeClr val="tx1"/>
+                </a:solidFill>
+                <a:effectLst/>
+                <a:latin typeface="+mn-lt"/>
+                <a:ea typeface="+mn-ea"/>
+                <a:cs typeface="+mn-cs"/>
+              </a:rPr>
+              <a:t>转变为特定领域的专家，比如代码执行、文档处理、数据分析等</a:t>
+            </a:r>
+          </a:p>
+          <a:p>
+            <a:r>
+              <a:rPr lang="zh-CN" altLang="en-US" sz="1200" b="0" i="0" kern="1200" dirty="0">
+                <a:solidFill>
+                  <a:schemeClr val="tx1"/>
+                </a:solidFill>
+                <a:effectLst/>
+                <a:latin typeface="+mn-lt"/>
+                <a:ea typeface="+mn-ea"/>
+                <a:cs typeface="+mn-cs"/>
+              </a:rPr>
+              <a:t>简单来说，</a:t>
+            </a:r>
+            <a:r>
+              <a:rPr lang="en-US" altLang="zh-CN" sz="1200" b="0" i="0" kern="1200" dirty="0">
+                <a:solidFill>
+                  <a:schemeClr val="tx1"/>
+                </a:solidFill>
+                <a:effectLst/>
+                <a:latin typeface="+mn-lt"/>
+                <a:ea typeface="+mn-ea"/>
+                <a:cs typeface="+mn-cs"/>
+              </a:rPr>
+              <a:t>Agent Skills </a:t>
+            </a:r>
+            <a:r>
+              <a:rPr lang="zh-CN" altLang="en-US" sz="1200" b="0" i="0" kern="1200" dirty="0">
+                <a:solidFill>
+                  <a:schemeClr val="tx1"/>
+                </a:solidFill>
+                <a:effectLst/>
+                <a:latin typeface="+mn-lt"/>
+                <a:ea typeface="+mn-ea"/>
+                <a:cs typeface="+mn-cs"/>
+              </a:rPr>
+              <a:t>让 </a:t>
+            </a:r>
+            <a:r>
+              <a:rPr lang="en-US" altLang="zh-CN" sz="1200" b="0" i="0" kern="1200" dirty="0">
+                <a:solidFill>
+                  <a:schemeClr val="tx1"/>
+                </a:solidFill>
+                <a:effectLst/>
+                <a:latin typeface="+mn-lt"/>
+                <a:ea typeface="+mn-ea"/>
+                <a:cs typeface="+mn-cs"/>
+              </a:rPr>
+              <a:t>AI </a:t>
+            </a:r>
+            <a:r>
+              <a:rPr lang="zh-CN" altLang="en-US" sz="1200" b="0" i="0" kern="1200" dirty="0">
+                <a:solidFill>
+                  <a:schemeClr val="tx1"/>
+                </a:solidFill>
+                <a:effectLst/>
+                <a:latin typeface="+mn-lt"/>
+                <a:ea typeface="+mn-ea"/>
+                <a:cs typeface="+mn-cs"/>
+              </a:rPr>
+              <a:t>从一个</a:t>
+            </a:r>
+            <a:r>
+              <a:rPr lang="en-US" altLang="zh-CN" sz="1200" b="0" i="0" kern="1200" dirty="0">
+                <a:solidFill>
+                  <a:schemeClr val="tx1"/>
+                </a:solidFill>
+                <a:effectLst/>
+                <a:latin typeface="+mn-lt"/>
+                <a:ea typeface="+mn-ea"/>
+                <a:cs typeface="+mn-cs"/>
+              </a:rPr>
+              <a:t>"</a:t>
+            </a:r>
+            <a:r>
+              <a:rPr lang="zh-CN" altLang="en-US" sz="1200" b="0" i="0" kern="1200" dirty="0">
+                <a:solidFill>
+                  <a:schemeClr val="tx1"/>
+                </a:solidFill>
+                <a:effectLst/>
+                <a:latin typeface="+mn-lt"/>
+                <a:ea typeface="+mn-ea"/>
+                <a:cs typeface="+mn-cs"/>
+              </a:rPr>
+              <a:t>聪明的实习生</a:t>
+            </a:r>
+            <a:r>
+              <a:rPr lang="en-US" altLang="zh-CN" sz="1200" b="0" i="0" kern="1200" dirty="0">
+                <a:solidFill>
+                  <a:schemeClr val="tx1"/>
+                </a:solidFill>
+                <a:effectLst/>
+                <a:latin typeface="+mn-lt"/>
+                <a:ea typeface="+mn-ea"/>
+                <a:cs typeface="+mn-cs"/>
+              </a:rPr>
+              <a:t>"</a:t>
+            </a:r>
+            <a:r>
+              <a:rPr lang="zh-CN" altLang="en-US" sz="1200" b="0" i="0" kern="1200" dirty="0">
+                <a:solidFill>
+                  <a:schemeClr val="tx1"/>
+                </a:solidFill>
+                <a:effectLst/>
+                <a:latin typeface="+mn-lt"/>
+                <a:ea typeface="+mn-ea"/>
+                <a:cs typeface="+mn-cs"/>
+              </a:rPr>
+              <a:t>变成了拥有</a:t>
+            </a:r>
+            <a:r>
+              <a:rPr lang="en-US" altLang="zh-CN" sz="1200" b="0" i="0" kern="1200" dirty="0">
+                <a:solidFill>
+                  <a:schemeClr val="tx1"/>
+                </a:solidFill>
+                <a:effectLst/>
+                <a:latin typeface="+mn-lt"/>
+                <a:ea typeface="+mn-ea"/>
+                <a:cs typeface="+mn-cs"/>
+              </a:rPr>
+              <a:t>"</a:t>
+            </a:r>
+            <a:r>
+              <a:rPr lang="zh-CN" altLang="en-US" sz="1200" b="0" i="0" kern="1200" dirty="0">
+                <a:solidFill>
+                  <a:schemeClr val="tx1"/>
+                </a:solidFill>
+                <a:effectLst/>
+                <a:latin typeface="+mn-lt"/>
+                <a:ea typeface="+mn-ea"/>
+                <a:cs typeface="+mn-cs"/>
+              </a:rPr>
+              <a:t>专家智库</a:t>
+            </a:r>
+            <a:r>
+              <a:rPr lang="en-US" altLang="zh-CN" sz="1200" b="0" i="0" kern="1200" dirty="0">
+                <a:solidFill>
+                  <a:schemeClr val="tx1"/>
+                </a:solidFill>
+                <a:effectLst/>
+                <a:latin typeface="+mn-lt"/>
+                <a:ea typeface="+mn-ea"/>
+                <a:cs typeface="+mn-cs"/>
+              </a:rPr>
+              <a:t>"</a:t>
+            </a:r>
+            <a:r>
+              <a:rPr lang="zh-CN" altLang="en-US" sz="1200" b="0" i="0" kern="1200" dirty="0">
+                <a:solidFill>
+                  <a:schemeClr val="tx1"/>
+                </a:solidFill>
+                <a:effectLst/>
+                <a:latin typeface="+mn-lt"/>
+                <a:ea typeface="+mn-ea"/>
+                <a:cs typeface="+mn-cs"/>
+              </a:rPr>
+              <a:t>的 </a:t>
+            </a:r>
+            <a:r>
+              <a:rPr lang="en-US" altLang="zh-CN" sz="1200" b="0" i="0" kern="1200" dirty="0">
+                <a:solidFill>
+                  <a:schemeClr val="tx1"/>
+                </a:solidFill>
+                <a:effectLst/>
+                <a:latin typeface="+mn-lt"/>
+                <a:ea typeface="+mn-ea"/>
+                <a:cs typeface="+mn-cs"/>
+              </a:rPr>
+              <a:t>CEO</a:t>
+            </a:r>
+            <a:r>
+              <a:rPr lang="zh-CN" altLang="en-US" sz="1200" b="0" i="0" kern="1200" dirty="0">
+                <a:solidFill>
+                  <a:schemeClr val="tx1"/>
+                </a:solidFill>
+                <a:effectLst/>
+                <a:latin typeface="+mn-lt"/>
+                <a:ea typeface="+mn-ea"/>
+                <a:cs typeface="+mn-cs"/>
+              </a:rPr>
+              <a:t>，需要解决什么问题，就立刻召唤对应的专家上场。</a:t>
+            </a:r>
+          </a:p>
+          <a:p>
             <a:endParaRPr lang="en-CN" dirty="0"/>
           </a:p>
         </p:txBody>
@@ -1470,7 +1861,13 @@
   <p:cSld>
     <p:spTree>
       <p:nvGrpSpPr>
-        <p:cNvPr id="1" name=""/>
+        <p:cNvPr id="1" name="">
+          <a:extLst>
+            <a:ext uri="{FF2B5EF4-FFF2-40B4-BE49-F238E27FC236}">
+              <a16:creationId xmlns:a16="http://schemas.microsoft.com/office/drawing/2014/main" id="{DEE4901F-6FCB-8B50-877F-EE1463C43AE9}"/>
+            </a:ext>
+          </a:extLst>
+        </p:cNvPr>
         <p:cNvGrpSpPr/>
         <p:nvPr/>
       </p:nvGrpSpPr>
@@ -1484,7 +1881,13 @@
       </p:grpSpPr>
       <p:sp>
         <p:nvSpPr>
-          <p:cNvPr id="2" name="Slide Image Placeholder 1"/>
+          <p:cNvPr id="2" name="Slide Image Placeholder 1">
+            <a:extLst>
+              <a:ext uri="{FF2B5EF4-FFF2-40B4-BE49-F238E27FC236}">
+                <a16:creationId xmlns:a16="http://schemas.microsoft.com/office/drawing/2014/main" id="{C4301BD6-9FC3-844E-ECB4-1BC19F7B8BA8}"/>
+              </a:ext>
+            </a:extLst>
+          </p:cNvPr>
           <p:cNvSpPr>
             <a:spLocks noGrp="1" noRot="1" noChangeAspect="1"/>
           </p:cNvSpPr>
@@ -1496,7 +1899,13 @@
       </p:sp>
       <p:sp>
         <p:nvSpPr>
-          <p:cNvPr id="3" name="Notes Placeholder 2"/>
+          <p:cNvPr id="3" name="Notes Placeholder 2">
+            <a:extLst>
+              <a:ext uri="{FF2B5EF4-FFF2-40B4-BE49-F238E27FC236}">
+                <a16:creationId xmlns:a16="http://schemas.microsoft.com/office/drawing/2014/main" id="{088AAF49-AD32-9B50-0FEF-CF60BECC9F31}"/>
+              </a:ext>
+            </a:extLst>
+          </p:cNvPr>
           <p:cNvSpPr>
             <a:spLocks noGrp="1"/>
           </p:cNvSpPr>
@@ -1508,28 +1917,6 @@
         <p:txBody>
           <a:bodyPr/>
           <a:lstStyle/>
-          <a:p>
-            <a:r>
-              <a:rPr lang="en-US" dirty="0"/>
-              <a:t>https://</a:t>
-            </a:r>
-            <a:r>
-              <a:rPr lang="en-US" dirty="0" err="1"/>
-              <a:t>support.claude.com</a:t>
-            </a:r>
-            <a:r>
-              <a:rPr lang="en-US" dirty="0"/>
-              <a:t>/</a:t>
-            </a:r>
-            <a:r>
-              <a:rPr lang="en-US" dirty="0" err="1"/>
-              <a:t>en</a:t>
-            </a:r>
-            <a:r>
-              <a:rPr lang="en-US" dirty="0"/>
-              <a:t>/articles/12512198-how-to-create-custom-skills</a:t>
-            </a:r>
-          </a:p>
           <a:p>
             <a:r>
               <a:rPr lang="en-US" dirty="0"/>
@@ -1549,15 +1936,87 @@
             </a:r>
             <a:r>
               <a:rPr lang="en-US" dirty="0"/>
+              <a:t>/skills</a:t>
+            </a:r>
+          </a:p>
+          <a:p>
+            <a:r>
+              <a:rPr lang="en-US" dirty="0"/>
+              <a:t>https://</a:t>
+            </a:r>
+            <a:r>
+              <a:rPr lang="en-US" dirty="0" err="1"/>
+              <a:t>github.com</a:t>
+            </a:r>
+            <a:r>
+              <a:rPr lang="en-US" dirty="0"/>
+              <a:t>/</a:t>
+            </a:r>
+            <a:r>
+              <a:rPr lang="en-US" dirty="0" err="1"/>
+              <a:t>agentskills</a:t>
+            </a:r>
+            <a:r>
+              <a:rPr lang="en-US" dirty="0"/>
+              <a:t>/</a:t>
+            </a:r>
+            <a:r>
+              <a:rPr lang="en-US" dirty="0" err="1"/>
+              <a:t>agentskills</a:t>
+            </a:r>
+            <a:endParaRPr lang="en-US" dirty="0"/>
+          </a:p>
+          <a:p>
+            <a:r>
+              <a:rPr lang="en-US" dirty="0"/>
+              <a:t>https://</a:t>
+            </a:r>
+            <a:r>
+              <a:rPr lang="en-US" dirty="0" err="1"/>
+              <a:t>github.com</a:t>
+            </a:r>
+            <a:r>
+              <a:rPr lang="en-US" dirty="0"/>
+              <a:t>/</a:t>
+            </a:r>
+            <a:r>
+              <a:rPr lang="en-US" dirty="0" err="1"/>
+              <a:t>anthropics</a:t>
+            </a:r>
+            <a:r>
+              <a:rPr lang="en-US" dirty="0"/>
               <a:t>/skills/tree/main</a:t>
             </a:r>
+          </a:p>
+          <a:p>
+            <a:endParaRPr lang="en-US" dirty="0"/>
+          </a:p>
+          <a:p>
+            <a:r>
+              <a:rPr lang="en-US" dirty="0"/>
+              <a:t>https://</a:t>
+            </a:r>
+            <a:r>
+              <a:rPr lang="en-US" dirty="0" err="1"/>
+              <a:t>www.anthropic.com</a:t>
+            </a:r>
+            <a:r>
+              <a:rPr lang="en-US" dirty="0"/>
+              <a:t>/engineering/equipping-agents-for-the-real-world-with-agent-skills</a:t>
+            </a:r>
             <a:endParaRPr lang="en-CN" dirty="0"/>
           </a:p>
         </p:txBody>
       </p:sp>
       <p:sp>
         <p:nvSpPr>
-          <p:cNvPr id="4" name="Slide Number Placeholder 3"/>
+          <p:cNvPr id="4" name="Slide Number Placeholder 3">
+            <a:extLst>
+              <a:ext uri="{FF2B5EF4-FFF2-40B4-BE49-F238E27FC236}">
+                <a16:creationId xmlns:a16="http://schemas.microsoft.com/office/drawing/2014/main" id="{7A1A433E-4966-E0FB-5A13-0D9C31E7B53B}"/>
+              </a:ext>
+            </a:extLst>
+          </p:cNvPr>
           <p:cNvSpPr>
             <a:spLocks noGrp="1"/>
           </p:cNvSpPr>
@@ -1581,7 +2040,7 @@
     </p:spTree>
     <p:extLst>
       <p:ext uri="{BB962C8B-B14F-4D97-AF65-F5344CB8AC3E}">
-        <p14:creationId xmlns:p14="http://schemas.microsoft.com/office/powerpoint/2010/main" val="995921724"/>
+        <p14:creationId xmlns:p14="http://schemas.microsoft.com/office/powerpoint/2010/main" val="243177141"/>
       </p:ext>
     </p:extLst>
   </p:cSld>
@@ -1635,6 +2094,48 @@
           <a:bodyPr/>
           <a:lstStyle/>
           <a:p>
+            <a:r>
+              <a:rPr lang="en-US" dirty="0"/>
+              <a:t>https://</a:t>
+            </a:r>
+            <a:r>
+              <a:rPr lang="en-US" dirty="0" err="1"/>
+              <a:t>support.claude.com</a:t>
+            </a:r>
+            <a:r>
+              <a:rPr lang="en-US" dirty="0"/>
+              <a:t>/</a:t>
+            </a:r>
+            <a:r>
+              <a:rPr lang="en-US" dirty="0" err="1"/>
+              <a:t>en</a:t>
+            </a:r>
+            <a:r>
+              <a:rPr lang="en-US" dirty="0"/>
+              <a:t>/articles/12512198-how-to-create-custom-skills</a:t>
+            </a:r>
+          </a:p>
+          <a:p>
+            <a:r>
+              <a:rPr lang="en-US" dirty="0"/>
+              <a:t>https://</a:t>
+            </a:r>
+            <a:r>
+              <a:rPr lang="en-US" dirty="0" err="1"/>
+              <a:t>github.com</a:t>
+            </a:r>
+            <a:r>
+              <a:rPr lang="en-US" dirty="0"/>
+              <a:t>/</a:t>
+            </a:r>
+            <a:r>
+              <a:rPr lang="en-US" dirty="0" err="1"/>
+              <a:t>anthropics</a:t>
+            </a:r>
+            <a:r>
+              <a:rPr lang="en-US" dirty="0"/>
+              <a:t>/skills/tree/main</a:t>
+            </a:r>
             <a:endParaRPr lang="en-CN" dirty="0"/>
           </a:p>
         </p:txBody>
@@ -1656,7 +2157,7 @@
           <a:p>
             <a:fld id="{7AEBB3E2-00FC-4EBF-AE58-33286D8A96E0}" type="slidenum">
               <a:rPr lang="en-US" smtClean="0"/>
-              <a:t>23</a:t>
+              <a:t>8</a:t>
             </a:fld>
             <a:endParaRPr lang="en-US"/>
           </a:p>
@@ -1665,7 +2166,7 @@
     </p:spTree>
     <p:extLst>
       <p:ext uri="{BB962C8B-B14F-4D97-AF65-F5344CB8AC3E}">
-        <p14:creationId xmlns:p14="http://schemas.microsoft.com/office/powerpoint/2010/main" val="3622729476"/>
+        <p14:creationId xmlns:p14="http://schemas.microsoft.com/office/powerpoint/2010/main" val="995921724"/>
       </p:ext>
     </p:extLst>
   </p:cSld>
@@ -1806,7 +2307,7 @@
           <a:p>
             <a:fld id="{567E9A56-284A-43C4-96E2-707E8A1EA85B}" type="datetimeFigureOut">
               <a:rPr lang="en-US" smtClean="0"/>
-              <a:t>12/28/25</a:t>
+              <a:t>12/28/2025</a:t>
             </a:fld>
             <a:endParaRPr lang="en-US"/>
           </a:p>
@@ -1976,7 +2477,7 @@
           <a:p>
             <a:fld id="{567E9A56-284A-43C4-96E2-707E8A1EA85B}" type="datetimeFigureOut">
               <a:rPr lang="en-US" smtClean="0"/>
-              <a:t>12/28/25</a:t>
+              <a:t>12/28/2025</a:t>
             </a:fld>
             <a:endParaRPr lang="en-US"/>
           </a:p>
@@ -2156,7 +2657,7 @@
           <a:p>
             <a:fld id="{567E9A56-284A-43C4-96E2-707E8A1EA85B}" type="datetimeFigureOut">
               <a:rPr lang="en-US" smtClean="0"/>
-              <a:t>12/28/25</a:t>
+              <a:t>12/28/2025</a:t>
             </a:fld>
             <a:endParaRPr lang="en-US"/>
           </a:p>
@@ -2326,7 +2827,7 @@
           <a:p>
             <a:fld id="{567E9A56-284A-43C4-96E2-707E8A1EA85B}" type="datetimeFigureOut">
               <a:rPr lang="en-US" smtClean="0"/>
-              <a:t>12/28/25</a:t>
+              <a:t>12/28/2025</a:t>
             </a:fld>
             <a:endParaRPr lang="en-US"/>
           </a:p>
@@ -2572,7 +3073,7 @@
           <a:p>
             <a:fld id="{567E9A56-284A-43C4-96E2-707E8A1EA85B}" type="datetimeFigureOut">
               <a:rPr lang="en-US" smtClean="0"/>
-              <a:t>12/28/25</a:t>
+              <a:t>12/28/2025</a:t>
             </a:fld>
             <a:endParaRPr lang="en-US"/>
           </a:p>
@@ -2804,7 +3305,7 @@
           <a:p>
             <a:fld id="{567E9A56-284A-43C4-96E2-707E8A1EA85B}" type="datetimeFigureOut">
               <a:rPr lang="en-US" smtClean="0"/>
-              <a:t>12/28/25</a:t>
+              <a:t>12/28/2025</a:t>
             </a:fld>
             <a:endParaRPr lang="en-US"/>
           </a:p>
@@ -3171,7 +3672,7 @@
           <a:p>
             <a:fld id="{567E9A56-284A-43C4-96E2-707E8A1EA85B}" type="datetimeFigureOut">
               <a:rPr lang="en-US" smtClean="0"/>
-              <a:t>12/28/25</a:t>
+              <a:t>12/28/2025</a:t>
             </a:fld>
             <a:endParaRPr lang="en-US"/>
           </a:p>
@@ -3289,7 +3790,7 @@
           <a:p>
             <a:fld id="{567E9A56-284A-43C4-96E2-707E8A1EA85B}" type="datetimeFigureOut">
               <a:rPr lang="en-US" smtClean="0"/>
-              <a:t>12/28/25</a:t>
+              <a:t>12/28/2025</a:t>
             </a:fld>
             <a:endParaRPr lang="en-US"/>
           </a:p>
@@ -3384,7 +3885,7 @@
           <a:p>
             <a:fld id="{567E9A56-284A-43C4-96E2-707E8A1EA85B}" type="datetimeFigureOut">
               <a:rPr lang="en-US" smtClean="0"/>
-              <a:t>12/28/25</a:t>
+              <a:t>12/28/2025</a:t>
             </a:fld>
             <a:endParaRPr lang="en-US"/>
           </a:p>
@@ -3661,7 +4162,7 @@
           <a:p>
             <a:fld id="{567E9A56-284A-43C4-96E2-707E8A1EA85B}" type="datetimeFigureOut">
               <a:rPr lang="en-US" smtClean="0"/>
-              <a:t>12/28/25</a:t>
+              <a:t>12/28/2025</a:t>
             </a:fld>
             <a:endParaRPr lang="en-US"/>
           </a:p>
@@ -3918,7 +4419,7 @@
           <a:p>
             <a:fld id="{567E9A56-284A-43C4-96E2-707E8A1EA85B}" type="datetimeFigureOut">
               <a:rPr lang="en-US" smtClean="0"/>
-              <a:t>12/28/25</a:t>
+              <a:t>12/28/2025</a:t>
             </a:fld>
             <a:endParaRPr lang="en-US"/>
           </a:p>
@@ -4131,7 +4632,7 @@
           <a:p>
             <a:fld id="{567E9A56-284A-43C4-96E2-707E8A1EA85B}" type="datetimeFigureOut">
               <a:rPr lang="en-US" smtClean="0"/>
-              <a:t>12/28/25</a:t>
+              <a:t>12/28/2025</a:t>
             </a:fld>
             <a:endParaRPr lang="en-US"/>
           </a:p>
@@ -4652,6 +5153,219 @@
           <a:p>
             <a:r>
               <a:rPr lang="en-US" dirty="0"/>
+              <a:t>Use Case 1: Weekly Status Reports</a:t>
+            </a:r>
+            <a:endParaRPr lang="en-US" b="1" dirty="0"/>
+          </a:p>
+        </p:txBody>
+      </p:sp>
+      <p:sp>
+        <p:nvSpPr>
+          <p:cNvPr id="3" name="Content Placeholder 2">
+            <a:extLst>
+              <a:ext uri="{FF2B5EF4-FFF2-40B4-BE49-F238E27FC236}">
+                <a16:creationId xmlns:a16="http://schemas.microsoft.com/office/drawing/2014/main" id="{4ED090BB-55E5-57DA-4C95-3C456F9B5487}"/>
+              </a:ext>
+            </a:extLst>
+          </p:cNvPr>
+          <p:cNvSpPr>
+            <a:spLocks noGrp="1"/>
+          </p:cNvSpPr>
+          <p:nvPr>
+            <p:ph idx="1"/>
+          </p:nvPr>
+        </p:nvSpPr>
+        <p:spPr>
+          <a:xfrm>
+            <a:off x="672029" y="1123721"/>
+            <a:ext cx="10939749" cy="5453350"/>
+          </a:xfrm>
+        </p:spPr>
+        <p:txBody>
+          <a:bodyPr>
+            <a:normAutofit/>
+          </a:bodyPr>
+          <a:lstStyle/>
+          <a:p>
+            <a:pPr marL="0" indent="0">
+              <a:buNone/>
+            </a:pPr>
+            <a:r>
+              <a:rPr lang="en-US" b="1" dirty="0"/>
+              <a:t>Without Skills</a:t>
+            </a:r>
+            <a:endParaRPr lang="en-US" dirty="0"/>
+          </a:p>
+          <a:p>
+            <a:pPr>
+              <a:buFont typeface="Arial" panose="020B0604020202020204" pitchFamily="34" charset="0"/>
+              <a:buChar char="•"/>
+            </a:pPr>
+            <a:r>
+              <a:rPr lang="en-US" sz="1900" dirty="0"/>
+              <a:t>Inconsistent structure</a:t>
+            </a:r>
+          </a:p>
+          <a:p>
+            <a:pPr>
+              <a:buFont typeface="Arial" panose="020B0604020202020204" pitchFamily="34" charset="0"/>
+              <a:buChar char="•"/>
+            </a:pPr>
+            <a:r>
+              <a:rPr lang="en-US" sz="1900" dirty="0"/>
+              <a:t>Raw data dumping</a:t>
+            </a:r>
+          </a:p>
+          <a:p>
+            <a:pPr>
+              <a:buFont typeface="Arial" panose="020B0604020202020204" pitchFamily="34" charset="0"/>
+              <a:buChar char="•"/>
+            </a:pPr>
+            <a:r>
+              <a:rPr lang="en-US" sz="1900" dirty="0"/>
+              <a:t>Variable tone and quality</a:t>
+            </a:r>
+          </a:p>
+          <a:p>
+            <a:pPr marL="0" indent="0">
+              <a:buNone/>
+            </a:pPr>
+            <a:r>
+              <a:rPr lang="en-US" b="1" dirty="0"/>
+              <a:t>With Skills</a:t>
+            </a:r>
+            <a:endParaRPr lang="en-US" dirty="0"/>
+          </a:p>
+          <a:p>
+            <a:pPr>
+              <a:buFont typeface="Arial" panose="020B0604020202020204" pitchFamily="34" charset="0"/>
+              <a:buChar char="•"/>
+            </a:pPr>
+            <a:r>
+              <a:rPr lang="en-US" sz="1800" dirty="0"/>
+              <a:t>Standardized report format</a:t>
+            </a:r>
+          </a:p>
+          <a:p>
+            <a:pPr>
+              <a:buFont typeface="Arial" panose="020B0604020202020204" pitchFamily="34" charset="0"/>
+              <a:buChar char="•"/>
+            </a:pPr>
+            <a:r>
+              <a:rPr lang="en-US" sz="1800" dirty="0"/>
+              <a:t>Clear summaries and priorities</a:t>
+            </a:r>
+          </a:p>
+          <a:p>
+            <a:pPr>
+              <a:buFont typeface="Arial" panose="020B0604020202020204" pitchFamily="34" charset="0"/>
+              <a:buChar char="•"/>
+            </a:pPr>
+            <a:r>
+              <a:rPr lang="en-US" sz="1800" dirty="0"/>
+              <a:t>Consistent, professional output</a:t>
+            </a:r>
+          </a:p>
+          <a:p>
+            <a:pPr marL="0" indent="0">
+              <a:buNone/>
+            </a:pPr>
+            <a:r>
+              <a:rPr lang="en-US" b="1" dirty="0"/>
+              <a:t>Skill Defines</a:t>
+            </a:r>
+            <a:endParaRPr lang="en-US" dirty="0"/>
+          </a:p>
+          <a:p>
+            <a:pPr>
+              <a:buFont typeface="Arial" panose="020B0604020202020204" pitchFamily="34" charset="0"/>
+              <a:buChar char="•"/>
+            </a:pPr>
+            <a:r>
+              <a:rPr lang="en-US" sz="1800" dirty="0"/>
+              <a:t>What data to include</a:t>
+            </a:r>
+          </a:p>
+          <a:p>
+            <a:pPr>
+              <a:buFont typeface="Arial" panose="020B0604020202020204" pitchFamily="34" charset="0"/>
+              <a:buChar char="•"/>
+            </a:pPr>
+            <a:r>
+              <a:rPr lang="en-US" sz="1800" dirty="0"/>
+              <a:t>How to summarize</a:t>
+            </a:r>
+          </a:p>
+          <a:p>
+            <a:pPr>
+              <a:buFont typeface="Arial" panose="020B0604020202020204" pitchFamily="34" charset="0"/>
+              <a:buChar char="•"/>
+            </a:pPr>
+            <a:r>
+              <a:rPr lang="en-US" sz="1800" dirty="0"/>
+              <a:t>How to structure the report</a:t>
+            </a:r>
+          </a:p>
+        </p:txBody>
+      </p:sp>
+    </p:spTree>
+    <p:extLst>
+      <p:ext uri="{BB962C8B-B14F-4D97-AF65-F5344CB8AC3E}">
+        <p14:creationId xmlns:p14="http://schemas.microsoft.com/office/powerpoint/2010/main" val="1923916138"/>
+      </p:ext>
+    </p:extLst>
+  </p:cSld>
+  <p:clrMapOvr>
+    <a:masterClrMapping/>
+  </p:clrMapOvr>
+</p:sld>
+</file>
+
+<file path=ppt/slides/slide11.xml><?xml version="1.0" encoding="utf-8"?>
+<p:sld xmlns:a="http://schemas.openxmlformats.org/drawingml/2006/main" xmlns:r="http://schemas.openxmlformats.org/officeDocument/2006/relationships" xmlns:p="http://schemas.openxmlformats.org/presentationml/2006/main">
+  <p:cSld>
+    <p:spTree>
+      <p:nvGrpSpPr>
+        <p:cNvPr id="1" name=""/>
+        <p:cNvGrpSpPr/>
+        <p:nvPr/>
+      </p:nvGrpSpPr>
+      <p:grpSpPr>
+        <a:xfrm>
+          <a:off x="0" y="0"/>
+          <a:ext cx="0" cy="0"/>
+          <a:chOff x="0" y="0"/>
+          <a:chExt cx="0" cy="0"/>
+        </a:xfrm>
+      </p:grpSpPr>
+      <p:sp>
+        <p:nvSpPr>
+          <p:cNvPr id="2" name="Title 1">
+            <a:extLst>
+              <a:ext uri="{FF2B5EF4-FFF2-40B4-BE49-F238E27FC236}">
+                <a16:creationId xmlns:a16="http://schemas.microsoft.com/office/drawing/2014/main" id="{25F3CE15-A79B-3709-8F57-35D4CFFFC3ED}"/>
+              </a:ext>
+            </a:extLst>
+          </p:cNvPr>
+          <p:cNvSpPr>
+            <a:spLocks noGrp="1"/>
+          </p:cNvSpPr>
+          <p:nvPr>
+            <p:ph type="title"/>
+          </p:nvPr>
+        </p:nvSpPr>
+        <p:spPr>
+          <a:xfrm>
+            <a:off x="672029" y="121185"/>
+            <a:ext cx="10620260" cy="1002535"/>
+          </a:xfrm>
+        </p:spPr>
+        <p:txBody>
+          <a:bodyPr/>
+          <a:lstStyle/>
+          <a:p>
+            <a:r>
+              <a:rPr lang="en-US" dirty="0"/>
               <a:t>Use Case 2: Code Review Agent</a:t>
             </a:r>
             <a:endParaRPr lang="en-US" b="1" dirty="0"/>
@@ -4780,7 +5494,7 @@
 </p:sld>
 </file>
 
-<file path=ppt/slides/slide11.xml><?xml version="1.0" encoding="utf-8"?>
+<file path=ppt/slides/slide12.xml><?xml version="1.0" encoding="utf-8"?>
 <p:sld xmlns:a="http://schemas.openxmlformats.org/drawingml/2006/main" xmlns:r="http://schemas.openxmlformats.org/officeDocument/2006/relationships" xmlns:p="http://schemas.openxmlformats.org/presentationml/2006/main">
   <p:cSld>
     <p:spTree>
@@ -4951,187 +5665,6 @@
 </p:sld>
 </file>
 
-<file path=ppt/slides/slide12.xml><?xml version="1.0" encoding="utf-8"?>
-<p:sld xmlns:a="http://schemas.openxmlformats.org/drawingml/2006/main" xmlns:r="http://schemas.openxmlformats.org/officeDocument/2006/relationships" xmlns:p="http://schemas.openxmlformats.org/presentationml/2006/main">
-  <p:cSld>
-    <p:spTree>
-      <p:nvGrpSpPr>
-        <p:cNvPr id="1" name=""/>
-        <p:cNvGrpSpPr/>
-        <p:nvPr/>
-      </p:nvGrpSpPr>
-      <p:grpSpPr>
-        <a:xfrm>
-          <a:off x="0" y="0"/>
-          <a:ext cx="0" cy="0"/>
-          <a:chOff x="0" y="0"/>
-          <a:chExt cx="0" cy="0"/>
-        </a:xfrm>
-      </p:grpSpPr>
-      <p:sp>
-        <p:nvSpPr>
-          <p:cNvPr id="2" name="Title 1">
-            <a:extLst>
-              <a:ext uri="{FF2B5EF4-FFF2-40B4-BE49-F238E27FC236}">
-                <a16:creationId xmlns:a16="http://schemas.microsoft.com/office/drawing/2014/main" id="{25F3CE15-A79B-3709-8F57-35D4CFFFC3ED}"/>
-              </a:ext>
-            </a:extLst>
-          </p:cNvPr>
-          <p:cNvSpPr>
-            <a:spLocks noGrp="1"/>
-          </p:cNvSpPr>
-          <p:nvPr>
-            <p:ph type="title"/>
-          </p:nvPr>
-        </p:nvSpPr>
-        <p:spPr>
-          <a:xfrm>
-            <a:off x="672029" y="121185"/>
-            <a:ext cx="10620260" cy="1002535"/>
-          </a:xfrm>
-        </p:spPr>
-        <p:txBody>
-          <a:bodyPr/>
-          <a:lstStyle/>
-          <a:p>
-            <a:r>
-              <a:rPr lang="en-US" dirty="0"/>
-              <a:t>Use Case </a:t>
-            </a:r>
-            <a:r>
-              <a:rPr lang="en-US" altLang="zh-CN" dirty="0"/>
-              <a:t>3</a:t>
-            </a:r>
-            <a:r>
-              <a:rPr lang="en-US" dirty="0"/>
-              <a:t>: Customer Support &amp; Compliance</a:t>
-            </a:r>
-            <a:endParaRPr lang="en-US" b="1" dirty="0"/>
-          </a:p>
-        </p:txBody>
-      </p:sp>
-      <p:sp>
-        <p:nvSpPr>
-          <p:cNvPr id="3" name="Content Placeholder 2">
-            <a:extLst>
-              <a:ext uri="{FF2B5EF4-FFF2-40B4-BE49-F238E27FC236}">
-                <a16:creationId xmlns:a16="http://schemas.microsoft.com/office/drawing/2014/main" id="{4ED090BB-55E5-57DA-4C95-3C456F9B5487}"/>
-              </a:ext>
-            </a:extLst>
-          </p:cNvPr>
-          <p:cNvSpPr>
-            <a:spLocks noGrp="1"/>
-          </p:cNvSpPr>
-          <p:nvPr>
-            <p:ph idx="1"/>
-          </p:nvPr>
-        </p:nvSpPr>
-        <p:spPr>
-          <a:xfrm>
-            <a:off x="672029" y="1123721"/>
-            <a:ext cx="10939749" cy="5453350"/>
-          </a:xfrm>
-        </p:spPr>
-        <p:txBody>
-          <a:bodyPr>
-            <a:normAutofit/>
-          </a:bodyPr>
-          <a:lstStyle/>
-          <a:p>
-            <a:pPr marL="0" indent="0">
-              <a:buNone/>
-            </a:pPr>
-            <a:r>
-              <a:rPr lang="en-US" b="1" dirty="0"/>
-              <a:t>Skill Encodes</a:t>
-            </a:r>
-            <a:endParaRPr lang="en-US" dirty="0"/>
-          </a:p>
-          <a:p>
-            <a:pPr>
-              <a:buFont typeface="Arial" panose="020B0604020202020204" pitchFamily="34" charset="0"/>
-              <a:buChar char="•"/>
-            </a:pPr>
-            <a:r>
-              <a:rPr lang="en-US" sz="1800" dirty="0"/>
-              <a:t>Business rules</a:t>
-            </a:r>
-          </a:p>
-          <a:p>
-            <a:pPr>
-              <a:buFont typeface="Arial" panose="020B0604020202020204" pitchFamily="34" charset="0"/>
-              <a:buChar char="•"/>
-            </a:pPr>
-            <a:r>
-              <a:rPr lang="en-US" sz="1800" dirty="0"/>
-              <a:t>Legal and compliance boundaries</a:t>
-            </a:r>
-          </a:p>
-          <a:p>
-            <a:pPr>
-              <a:buFont typeface="Arial" panose="020B0604020202020204" pitchFamily="34" charset="0"/>
-              <a:buChar char="•"/>
-            </a:pPr>
-            <a:r>
-              <a:rPr lang="en-US" sz="1800" dirty="0"/>
-              <a:t>Approved communication tone</a:t>
-            </a:r>
-          </a:p>
-          <a:p>
-            <a:pPr marL="0" indent="0">
-              <a:buNone/>
-            </a:pPr>
-            <a:r>
-              <a:rPr lang="en-US" b="1" dirty="0"/>
-              <a:t>Outcome</a:t>
-            </a:r>
-            <a:endParaRPr lang="en-US" dirty="0"/>
-          </a:p>
-          <a:p>
-            <a:pPr>
-              <a:buFont typeface="Arial" panose="020B0604020202020204" pitchFamily="34" charset="0"/>
-              <a:buChar char="•"/>
-            </a:pPr>
-            <a:r>
-              <a:rPr lang="en-US" sz="1800" dirty="0"/>
-              <a:t>Safer automation</a:t>
-            </a:r>
-          </a:p>
-          <a:p>
-            <a:pPr>
-              <a:buFont typeface="Arial" panose="020B0604020202020204" pitchFamily="34" charset="0"/>
-              <a:buChar char="•"/>
-            </a:pPr>
-            <a:r>
-              <a:rPr lang="en-US" sz="1800" dirty="0"/>
-              <a:t>Reduced risk</a:t>
-            </a:r>
-          </a:p>
-          <a:p>
-            <a:pPr>
-              <a:buFont typeface="Arial" panose="020B0604020202020204" pitchFamily="34" charset="0"/>
-              <a:buChar char="•"/>
-            </a:pPr>
-            <a:r>
-              <a:rPr lang="en-US" sz="1800" dirty="0"/>
-              <a:t>Predictable customer experience</a:t>
-            </a:r>
-          </a:p>
-        </p:txBody>
-      </p:sp>
-    </p:spTree>
-    <p:extLst>
-      <p:ext uri="{BB962C8B-B14F-4D97-AF65-F5344CB8AC3E}">
-        <p14:creationId xmlns:p14="http://schemas.microsoft.com/office/powerpoint/2010/main" val="4221793751"/>
-      </p:ext>
-    </p:extLst>
-  </p:cSld>
-  <p:clrMapOvr>
-    <a:masterClrMapping/>
-  </p:clrMapOvr>
-</p:sld>
-</file>
-
 <file path=ppt/slides/slide13.xml><?xml version="1.0" encoding="utf-8"?>
 <p:sld xmlns:a="http://schemas.openxmlformats.org/drawingml/2006/main" xmlns:r="http://schemas.openxmlformats.org/officeDocument/2006/relationships" xmlns:p="http://schemas.openxmlformats.org/presentationml/2006/main">
   <p:cSld>
@@ -5177,7 +5710,15 @@
           <a:p>
             <a:r>
               <a:rPr lang="en-US" dirty="0"/>
-              <a:t>Key Takeaways</a:t>
+              <a:t>Use Case </a:t>
+            </a:r>
+            <a:r>
+              <a:rPr lang="en-US" altLang="zh-CN" dirty="0"/>
+              <a:t>3</a:t>
+            </a:r>
+            <a:r>
+              <a:rPr lang="en-US" dirty="0"/>
+              <a:t>: Customer Support &amp; Compliance</a:t>
             </a:r>
             <a:endParaRPr lang="en-US" b="1" dirty="0"/>
           </a:p>
@@ -5216,7 +5757,7 @@
             </a:pPr>
             <a:r>
               <a:rPr lang="en-US" b="1" dirty="0"/>
-              <a:t>Summary</a:t>
+              <a:t>Skill Encodes</a:t>
             </a:r>
             <a:endParaRPr lang="en-US" dirty="0"/>
           </a:p>
@@ -5227,7 +5768,7 @@
             </a:pPr>
             <a:r>
               <a:rPr lang="en-US" sz="1800" dirty="0"/>
-              <a:t>Function Calls enable actions</a:t>
+              <a:t>Business rules</a:t>
             </a:r>
           </a:p>
           <a:p>
@@ -5237,7 +5778,7 @@
             </a:pPr>
             <a:r>
               <a:rPr lang="en-US" sz="1800" dirty="0"/>
-              <a:t>MCP standardizes access</a:t>
+              <a:t>Legal and compliance boundaries</a:t>
             </a:r>
           </a:p>
           <a:p>
@@ -5247,13 +5788,8 @@
             </a:pPr>
             <a:r>
               <a:rPr lang="en-US" sz="1800" dirty="0"/>
-              <a:t>Agent Skills define </a:t>
-            </a:r>
-            <a:r>
-              <a:rPr lang="en-US" sz="1800" i="1" dirty="0"/>
-              <a:t>expert behavior</a:t>
-            </a:r>
-            <a:endParaRPr lang="en-US" sz="1800" dirty="0"/>
+              <a:t>Approved communication tone</a:t>
+            </a:r>
           </a:p>
           <a:p>
             <a:pPr marL="0" indent="0">
@@ -5261,38 +5797,7 @@
             </a:pPr>
             <a:r>
               <a:rPr lang="en-US" b="1" dirty="0"/>
-              <a:t>Core Message</a:t>
-            </a:r>
-            <a:endParaRPr lang="en-US" dirty="0"/>
-          </a:p>
-          <a:p>
-            <a:r>
-              <a:rPr lang="en-US" sz="1800" dirty="0"/>
-              <a:t>Tools tell agents </a:t>
-            </a:r>
-            <a:r>
-              <a:rPr lang="en-US" sz="1800" i="1" dirty="0"/>
-              <a:t>what they can do</a:t>
-            </a:r>
-          </a:p>
-          <a:p>
-            <a:r>
-              <a:rPr lang="en-US" sz="1800" dirty="0"/>
-              <a:t>Skills tell agents </a:t>
-            </a:r>
-            <a:r>
-              <a:rPr lang="en-US" sz="1800" i="1" dirty="0"/>
-              <a:t>how they should do it</a:t>
-            </a:r>
-            <a:endParaRPr lang="en-US" sz="1800" dirty="0"/>
-          </a:p>
-          <a:p>
-            <a:pPr marL="0" indent="0">
-              <a:buNone/>
-            </a:pPr>
-            <a:r>
-              <a:rPr lang="en-US" b="1" dirty="0"/>
-              <a:t>Why Skills Matter</a:t>
+              <a:t>Outcome</a:t>
             </a:r>
             <a:endParaRPr lang="en-US" dirty="0"/>
           </a:p>
@@ -5303,7 +5808,7 @@
             </a:pPr>
             <a:r>
               <a:rPr lang="en-US" sz="1800" dirty="0"/>
-              <a:t>Consistency</a:t>
+              <a:t>Safer automation</a:t>
             </a:r>
           </a:p>
           <a:p>
@@ -5313,7 +5818,7 @@
             </a:pPr>
             <a:r>
               <a:rPr lang="en-US" sz="1800" dirty="0"/>
-              <a:t>Reusability</a:t>
+              <a:t>Reduced risk</a:t>
             </a:r>
           </a:p>
           <a:p>
@@ -5323,7 +5828,7 @@
             </a:pPr>
             <a:r>
               <a:rPr lang="en-US" sz="1800" dirty="0"/>
-              <a:t>Scalability of expertise</a:t>
+              <a:t>Predictable customer experience</a:t>
             </a:r>
           </a:p>
         </p:txBody>
@@ -5331,7 +5836,7 @@
     </p:spTree>
     <p:extLst>
       <p:ext uri="{BB962C8B-B14F-4D97-AF65-F5344CB8AC3E}">
-        <p14:creationId xmlns:p14="http://schemas.microsoft.com/office/powerpoint/2010/main" val="2030336784"/>
+        <p14:creationId xmlns:p14="http://schemas.microsoft.com/office/powerpoint/2010/main" val="4221793751"/>
       </p:ext>
     </p:extLst>
   </p:cSld>
@@ -5363,7 +5868,7 @@
           <p:cNvPr id="2" name="Title 1">
             <a:extLst>
               <a:ext uri="{FF2B5EF4-FFF2-40B4-BE49-F238E27FC236}">
-                <a16:creationId xmlns:a16="http://schemas.microsoft.com/office/drawing/2014/main" id="{27C04FDF-BA64-54E7-140E-21C8F8B631E4}"/>
+                <a16:creationId xmlns:a16="http://schemas.microsoft.com/office/drawing/2014/main" id="{25F3CE15-A79B-3709-8F57-35D4CFFFC3ED}"/>
               </a:ext>
             </a:extLst>
           </p:cNvPr>
@@ -5374,12 +5879,21 @@
             <p:ph type="title"/>
           </p:nvPr>
         </p:nvSpPr>
-        <p:spPr/>
+        <p:spPr>
+          <a:xfrm>
+            <a:off x="672029" y="121185"/>
+            <a:ext cx="10620260" cy="1002535"/>
+          </a:xfrm>
+        </p:spPr>
         <p:txBody>
           <a:bodyPr/>
           <a:lstStyle/>
           <a:p>
-            <a:endParaRPr lang="en-CN" dirty="0"/>
+            <a:r>
+              <a:rPr lang="en-US" dirty="0"/>
+              <a:t>Key Takeaways</a:t>
+            </a:r>
+            <a:endParaRPr lang="en-US" b="1" dirty="0"/>
           </a:p>
         </p:txBody>
       </p:sp>
@@ -5388,7 +5902,7 @@
           <p:cNvPr id="3" name="Content Placeholder 2">
             <a:extLst>
               <a:ext uri="{FF2B5EF4-FFF2-40B4-BE49-F238E27FC236}">
-                <a16:creationId xmlns:a16="http://schemas.microsoft.com/office/drawing/2014/main" id="{F9254D68-E177-7A67-67A1-094D9C0BF25C}"/>
+                <a16:creationId xmlns:a16="http://schemas.microsoft.com/office/drawing/2014/main" id="{4ED090BB-55E5-57DA-4C95-3C456F9B5487}"/>
               </a:ext>
             </a:extLst>
           </p:cNvPr>
@@ -5399,19 +5913,139 @@
             <p:ph idx="1"/>
           </p:nvPr>
         </p:nvSpPr>
-        <p:spPr/>
-        <p:txBody>
-          <a:bodyPr/>
-          <a:lstStyle/>
-          <a:p>
-            <a:endParaRPr lang="en-CN"/>
+        <p:spPr>
+          <a:xfrm>
+            <a:off x="672029" y="1123721"/>
+            <a:ext cx="10939749" cy="5453350"/>
+          </a:xfrm>
+        </p:spPr>
+        <p:txBody>
+          <a:bodyPr>
+            <a:normAutofit/>
+          </a:bodyPr>
+          <a:lstStyle/>
+          <a:p>
+            <a:pPr marL="0" indent="0">
+              <a:buNone/>
+            </a:pPr>
+            <a:r>
+              <a:rPr lang="en-US" b="1" dirty="0"/>
+              <a:t>Summary</a:t>
+            </a:r>
+            <a:endParaRPr lang="en-US" dirty="0"/>
+          </a:p>
+          <a:p>
+            <a:pPr>
+              <a:buFont typeface="Arial" panose="020B0604020202020204" pitchFamily="34" charset="0"/>
+              <a:buChar char="•"/>
+            </a:pPr>
+            <a:r>
+              <a:rPr lang="en-US" sz="1800" dirty="0"/>
+              <a:t>Function Calls enable actions</a:t>
+            </a:r>
+          </a:p>
+          <a:p>
+            <a:pPr>
+              <a:buFont typeface="Arial" panose="020B0604020202020204" pitchFamily="34" charset="0"/>
+              <a:buChar char="•"/>
+            </a:pPr>
+            <a:r>
+              <a:rPr lang="en-US" sz="1800" dirty="0"/>
+              <a:t>MCP standardizes access</a:t>
+            </a:r>
+          </a:p>
+          <a:p>
+            <a:pPr>
+              <a:buFont typeface="Arial" panose="020B0604020202020204" pitchFamily="34" charset="0"/>
+              <a:buChar char="•"/>
+            </a:pPr>
+            <a:r>
+              <a:rPr lang="en-US" sz="1800" dirty="0"/>
+              <a:t>Agent Skills define </a:t>
+            </a:r>
+            <a:r>
+              <a:rPr lang="en-US" sz="1800" i="1" dirty="0"/>
+              <a:t>expert behavior</a:t>
+            </a:r>
+            <a:endParaRPr lang="en-US" sz="1800" dirty="0"/>
+          </a:p>
+          <a:p>
+            <a:pPr marL="0" indent="0">
+              <a:buNone/>
+            </a:pPr>
+            <a:r>
+              <a:rPr lang="en-US" b="1" dirty="0"/>
+              <a:t>Core Message</a:t>
+            </a:r>
+            <a:endParaRPr lang="en-US" dirty="0"/>
+          </a:p>
+          <a:p>
+            <a:r>
+              <a:rPr lang="en-US" sz="1800" dirty="0"/>
+              <a:t>Tools tell agents </a:t>
+            </a:r>
+            <a:r>
+              <a:rPr lang="en-US" sz="1800" i="1" dirty="0"/>
+              <a:t>what they can do</a:t>
+            </a:r>
+          </a:p>
+          <a:p>
+            <a:r>
+              <a:rPr lang="en-US" sz="1800" dirty="0"/>
+              <a:t>Skills tell agents </a:t>
+            </a:r>
+            <a:r>
+              <a:rPr lang="en-US" sz="1800" i="1" dirty="0"/>
+              <a:t>how they should do it</a:t>
+            </a:r>
+            <a:endParaRPr lang="en-US" sz="1800" dirty="0"/>
+          </a:p>
+          <a:p>
+            <a:pPr marL="0" indent="0">
+              <a:buNone/>
+            </a:pPr>
+            <a:r>
+              <a:rPr lang="en-US" b="1" dirty="0"/>
+              <a:t>Why Skills Matter</a:t>
+            </a:r>
+            <a:endParaRPr lang="en-US" dirty="0"/>
+          </a:p>
+          <a:p>
+            <a:pPr>
+              <a:buFont typeface="Arial" panose="020B0604020202020204" pitchFamily="34" charset="0"/>
+              <a:buChar char="•"/>
+            </a:pPr>
+            <a:r>
+              <a:rPr lang="en-US" sz="1800" dirty="0"/>
+              <a:t>Consistency</a:t>
+            </a:r>
+          </a:p>
+          <a:p>
+            <a:pPr>
+              <a:buFont typeface="Arial" panose="020B0604020202020204" pitchFamily="34" charset="0"/>
+              <a:buChar char="•"/>
+            </a:pPr>
+            <a:r>
+              <a:rPr lang="en-US" sz="1800" dirty="0"/>
+              <a:t>Reusability</a:t>
+            </a:r>
+          </a:p>
+          <a:p>
+            <a:pPr>
+              <a:buFont typeface="Arial" panose="020B0604020202020204" pitchFamily="34" charset="0"/>
+              <a:buChar char="•"/>
+            </a:pPr>
+            <a:r>
+              <a:rPr lang="en-US" sz="1800" dirty="0"/>
+              <a:t>Scalability of expertise</a:t>
+            </a:r>
           </a:p>
         </p:txBody>
       </p:sp>
     </p:spTree>
     <p:extLst>
       <p:ext uri="{BB962C8B-B14F-4D97-AF65-F5344CB8AC3E}">
-        <p14:creationId xmlns:p14="http://schemas.microsoft.com/office/powerpoint/2010/main" val="1996515874"/>
+        <p14:creationId xmlns:p14="http://schemas.microsoft.com/office/powerpoint/2010/main" val="2030336784"/>
       </p:ext>
     </p:extLst>
   </p:cSld>
@@ -5443,7 +6077,7 @@
           <p:cNvPr id="2" name="Title 1">
             <a:extLst>
               <a:ext uri="{FF2B5EF4-FFF2-40B4-BE49-F238E27FC236}">
-                <a16:creationId xmlns:a16="http://schemas.microsoft.com/office/drawing/2014/main" id="{88EFAAEC-4C0D-0E42-CE71-833593886F16}"/>
+                <a16:creationId xmlns:a16="http://schemas.microsoft.com/office/drawing/2014/main" id="{27C04FDF-BA64-54E7-140E-21C8F8B631E4}"/>
               </a:ext>
             </a:extLst>
           </p:cNvPr>
@@ -5459,7 +6093,7 @@
           <a:bodyPr/>
           <a:lstStyle/>
           <a:p>
-            <a:endParaRPr lang="en-CN"/>
+            <a:endParaRPr lang="en-CN" dirty="0"/>
           </a:p>
         </p:txBody>
       </p:sp>
@@ -5468,7 +6102,7 @@
           <p:cNvPr id="3" name="Content Placeholder 2">
             <a:extLst>
               <a:ext uri="{FF2B5EF4-FFF2-40B4-BE49-F238E27FC236}">
-                <a16:creationId xmlns:a16="http://schemas.microsoft.com/office/drawing/2014/main" id="{5C6D3114-4D77-73BE-A59D-B84562854EBD}"/>
+                <a16:creationId xmlns:a16="http://schemas.microsoft.com/office/drawing/2014/main" id="{F9254D68-E177-7A67-67A1-094D9C0BF25C}"/>
               </a:ext>
             </a:extLst>
           </p:cNvPr>
@@ -5491,7 +6125,7 @@
     </p:spTree>
     <p:extLst>
       <p:ext uri="{BB962C8B-B14F-4D97-AF65-F5344CB8AC3E}">
-        <p14:creationId xmlns:p14="http://schemas.microsoft.com/office/powerpoint/2010/main" val="3363724375"/>
+        <p14:creationId xmlns:p14="http://schemas.microsoft.com/office/powerpoint/2010/main" val="1996515874"/>
       </p:ext>
     </p:extLst>
   </p:cSld>
@@ -5523,7 +6157,7 @@
           <p:cNvPr id="2" name="Title 1">
             <a:extLst>
               <a:ext uri="{FF2B5EF4-FFF2-40B4-BE49-F238E27FC236}">
-                <a16:creationId xmlns:a16="http://schemas.microsoft.com/office/drawing/2014/main" id="{29C3F157-E60A-D2D0-4547-64C4B509EF18}"/>
+                <a16:creationId xmlns:a16="http://schemas.microsoft.com/office/drawing/2014/main" id="{88EFAAEC-4C0D-0E42-CE71-833593886F16}"/>
               </a:ext>
             </a:extLst>
           </p:cNvPr>
@@ -5548,7 +6182,7 @@
           <p:cNvPr id="3" name="Content Placeholder 2">
             <a:extLst>
               <a:ext uri="{FF2B5EF4-FFF2-40B4-BE49-F238E27FC236}">
-                <a16:creationId xmlns:a16="http://schemas.microsoft.com/office/drawing/2014/main" id="{A17589F7-1669-7062-AEF6-CE25D10EE88B}"/>
+                <a16:creationId xmlns:a16="http://schemas.microsoft.com/office/drawing/2014/main" id="{5C6D3114-4D77-73BE-A59D-B84562854EBD}"/>
               </a:ext>
             </a:extLst>
           </p:cNvPr>
@@ -5571,7 +6205,7 @@
     </p:spTree>
     <p:extLst>
       <p:ext uri="{BB962C8B-B14F-4D97-AF65-F5344CB8AC3E}">
-        <p14:creationId xmlns:p14="http://schemas.microsoft.com/office/powerpoint/2010/main" val="726105220"/>
+        <p14:creationId xmlns:p14="http://schemas.microsoft.com/office/powerpoint/2010/main" val="3363724375"/>
       </p:ext>
     </p:extLst>
   </p:cSld>
@@ -5603,7 +6237,7 @@
           <p:cNvPr id="2" name="Title 1">
             <a:extLst>
               <a:ext uri="{FF2B5EF4-FFF2-40B4-BE49-F238E27FC236}">
-                <a16:creationId xmlns:a16="http://schemas.microsoft.com/office/drawing/2014/main" id="{27F9FAD9-8431-9BC1-DAB2-08BBA8D75E7E}"/>
+                <a16:creationId xmlns:a16="http://schemas.microsoft.com/office/drawing/2014/main" id="{29C3F157-E60A-D2D0-4547-64C4B509EF18}"/>
               </a:ext>
             </a:extLst>
           </p:cNvPr>
@@ -5619,10 +6253,7 @@
           <a:bodyPr/>
           <a:lstStyle/>
           <a:p>
-            <a:r>
-              <a:rPr lang="en-CN" dirty="0"/>
-              <a:t>MCP</a:t>
-            </a:r>
+            <a:endParaRPr lang="en-CN"/>
           </a:p>
         </p:txBody>
       </p:sp>
@@ -5631,7 +6262,7 @@
           <p:cNvPr id="3" name="Content Placeholder 2">
             <a:extLst>
               <a:ext uri="{FF2B5EF4-FFF2-40B4-BE49-F238E27FC236}">
-                <a16:creationId xmlns:a16="http://schemas.microsoft.com/office/drawing/2014/main" id="{F8B3CE46-4441-337F-0D98-6356B7DEC852}"/>
+                <a16:creationId xmlns:a16="http://schemas.microsoft.com/office/drawing/2014/main" id="{A17589F7-1669-7062-AEF6-CE25D10EE88B}"/>
               </a:ext>
             </a:extLst>
           </p:cNvPr>
@@ -5647,14 +6278,14 @@
           <a:bodyPr/>
           <a:lstStyle/>
           <a:p>
-            <a:endParaRPr lang="en-CN" dirty="0"/>
+            <a:endParaRPr lang="en-CN"/>
           </a:p>
         </p:txBody>
       </p:sp>
     </p:spTree>
     <p:extLst>
       <p:ext uri="{BB962C8B-B14F-4D97-AF65-F5344CB8AC3E}">
-        <p14:creationId xmlns:p14="http://schemas.microsoft.com/office/powerpoint/2010/main" val="1630187613"/>
+        <p14:creationId xmlns:p14="http://schemas.microsoft.com/office/powerpoint/2010/main" val="726105220"/>
       </p:ext>
     </p:extLst>
   </p:cSld>
@@ -5686,7 +6317,7 @@
           <p:cNvPr id="2" name="Title 1">
             <a:extLst>
               <a:ext uri="{FF2B5EF4-FFF2-40B4-BE49-F238E27FC236}">
-                <a16:creationId xmlns:a16="http://schemas.microsoft.com/office/drawing/2014/main" id="{8BD0FD99-6F5B-2528-12A8-6DEEAB5730ED}"/>
+                <a16:creationId xmlns:a16="http://schemas.microsoft.com/office/drawing/2014/main" id="{27F9FAD9-8431-9BC1-DAB2-08BBA8D75E7E}"/>
               </a:ext>
             </a:extLst>
           </p:cNvPr>
@@ -5704,7 +6335,7 @@
           <a:p>
             <a:r>
               <a:rPr lang="en-CN" dirty="0"/>
-              <a:t>Why Agent Skills?</a:t>
+              <a:t>MCP</a:t>
             </a:r>
           </a:p>
         </p:txBody>
@@ -5714,7 +6345,7 @@
           <p:cNvPr id="3" name="Content Placeholder 2">
             <a:extLst>
               <a:ext uri="{FF2B5EF4-FFF2-40B4-BE49-F238E27FC236}">
-                <a16:creationId xmlns:a16="http://schemas.microsoft.com/office/drawing/2014/main" id="{9D341E46-276F-944E-B54B-DCF406BD9951}"/>
+                <a16:creationId xmlns:a16="http://schemas.microsoft.com/office/drawing/2014/main" id="{F8B3CE46-4441-337F-0D98-6356B7DEC852}"/>
               </a:ext>
             </a:extLst>
           </p:cNvPr>
@@ -5737,7 +6368,7 @@
     </p:spTree>
     <p:extLst>
       <p:ext uri="{BB962C8B-B14F-4D97-AF65-F5344CB8AC3E}">
-        <p14:creationId xmlns:p14="http://schemas.microsoft.com/office/powerpoint/2010/main" val="1921524680"/>
+        <p14:creationId xmlns:p14="http://schemas.microsoft.com/office/powerpoint/2010/main" val="1630187613"/>
       </p:ext>
     </p:extLst>
   </p:cSld>
@@ -5769,7 +6400,7 @@
           <p:cNvPr id="2" name="Title 1">
             <a:extLst>
               <a:ext uri="{FF2B5EF4-FFF2-40B4-BE49-F238E27FC236}">
-                <a16:creationId xmlns:a16="http://schemas.microsoft.com/office/drawing/2014/main" id="{EB6AD022-2A65-9D86-F207-456EE967250E}"/>
+                <a16:creationId xmlns:a16="http://schemas.microsoft.com/office/drawing/2014/main" id="{8BD0FD99-6F5B-2528-12A8-6DEEAB5730ED}"/>
               </a:ext>
             </a:extLst>
           </p:cNvPr>
@@ -5786,22 +6417,9 @@
           <a:lstStyle/>
           <a:p>
             <a:r>
-              <a:rPr lang="en-US" altLang="zh-CN" dirty="0"/>
-              <a:t>Agent skills</a:t>
-            </a:r>
-            <a:r>
-              <a:rPr lang="zh-CN" altLang="en-US" dirty="0"/>
-              <a:t>和 </a:t>
-            </a:r>
-            <a:r>
-              <a:rPr lang="en-US" dirty="0"/>
-              <a:t>Function / MCP </a:t>
-            </a:r>
-            <a:r>
-              <a:rPr lang="zh-CN" altLang="en-US" dirty="0"/>
-              <a:t>的清晰分工</a:t>
-            </a:r>
-            <a:endParaRPr lang="en-CN" dirty="0"/>
+              <a:rPr lang="en-CN" dirty="0"/>
+              <a:t>Why Agent Skills?</a:t>
+            </a:r>
           </a:p>
         </p:txBody>
       </p:sp>
@@ -5810,7 +6428,7 @@
           <p:cNvPr id="3" name="Content Placeholder 2">
             <a:extLst>
               <a:ext uri="{FF2B5EF4-FFF2-40B4-BE49-F238E27FC236}">
-                <a16:creationId xmlns:a16="http://schemas.microsoft.com/office/drawing/2014/main" id="{A2E7B8BE-02C4-C537-BD56-23EF5B7BFE9C}"/>
+                <a16:creationId xmlns:a16="http://schemas.microsoft.com/office/drawing/2014/main" id="{9D341E46-276F-944E-B54B-DCF406BD9951}"/>
               </a:ext>
             </a:extLst>
           </p:cNvPr>
@@ -5823,173 +6441,9 @@
         </p:nvSpPr>
         <p:spPr/>
         <p:txBody>
-          <a:bodyPr>
-            <a:normAutofit fontScale="62500" lnSpcReduction="20000"/>
-          </a:bodyPr>
-          <a:lstStyle/>
-          <a:p>
-            <a:pPr marL="0" indent="0">
-              <a:buNone/>
-            </a:pPr>
-            <a:r>
-              <a:rPr lang="en-US" dirty="0"/>
-              <a:t>Skill</a:t>
-            </a:r>
-          </a:p>
-          <a:p>
-            <a:pPr marL="0" indent="0">
-              <a:buNone/>
-            </a:pPr>
-            <a:r>
-              <a:rPr lang="en-US" dirty="0"/>
-              <a:t> ├─ </a:t>
-            </a:r>
-            <a:r>
-              <a:rPr lang="zh-CN" altLang="en-US" dirty="0"/>
-              <a:t>决定“怎么做”</a:t>
-            </a:r>
-          </a:p>
-          <a:p>
-            <a:pPr marL="0" indent="0">
-              <a:buNone/>
-            </a:pPr>
-            <a:r>
-              <a:rPr lang="zh-CN" altLang="en-US" dirty="0"/>
-              <a:t> ├─ 约束输出结构</a:t>
-            </a:r>
-          </a:p>
-          <a:p>
-            <a:pPr marL="0" indent="0">
-              <a:buNone/>
-            </a:pPr>
-            <a:r>
-              <a:rPr lang="zh-CN" altLang="en-US" dirty="0"/>
-              <a:t> └─ 统一质量标准</a:t>
-            </a:r>
-          </a:p>
-          <a:p>
-            <a:pPr marL="0" indent="0">
-              <a:buNone/>
-            </a:pPr>
-            <a:endParaRPr lang="zh-CN" altLang="en-US" dirty="0"/>
-          </a:p>
-          <a:p>
-            <a:pPr marL="0" indent="0">
-              <a:buNone/>
-            </a:pPr>
-            <a:r>
-              <a:rPr lang="en-US" dirty="0"/>
-              <a:t>MCP</a:t>
-            </a:r>
-          </a:p>
-          <a:p>
-            <a:pPr marL="0" indent="0">
-              <a:buNone/>
-            </a:pPr>
-            <a:r>
-              <a:rPr lang="en-US" dirty="0"/>
-              <a:t> ├─ </a:t>
-            </a:r>
-            <a:r>
-              <a:rPr lang="zh-CN" altLang="en-US" dirty="0"/>
-              <a:t>提供 </a:t>
-            </a:r>
-            <a:r>
-              <a:rPr lang="en-US" dirty="0"/>
-              <a:t>Git / Jira / DB </a:t>
-            </a:r>
-            <a:r>
-              <a:rPr lang="zh-CN" altLang="en-US" dirty="0"/>
-              <a:t>访问</a:t>
-            </a:r>
-          </a:p>
-          <a:p>
-            <a:pPr marL="0" indent="0">
-              <a:buNone/>
-            </a:pPr>
-            <a:r>
-              <a:rPr lang="zh-CN" altLang="en-US" dirty="0"/>
-              <a:t> └─ 安全 </a:t>
-            </a:r>
-            <a:r>
-              <a:rPr lang="en-US" altLang="zh-CN" dirty="0"/>
-              <a:t>&amp; </a:t>
-            </a:r>
-            <a:r>
-              <a:rPr lang="zh-CN" altLang="en-US" dirty="0"/>
-              <a:t>标准化连接</a:t>
-            </a:r>
-          </a:p>
-          <a:p>
-            <a:pPr marL="0" indent="0">
-              <a:buNone/>
-            </a:pPr>
-            <a:endParaRPr lang="zh-CN" altLang="en-US" dirty="0"/>
-          </a:p>
-          <a:p>
-            <a:pPr marL="0" indent="0">
-              <a:buNone/>
-            </a:pPr>
-            <a:r>
-              <a:rPr lang="en-US" dirty="0"/>
-              <a:t>Function Call</a:t>
-            </a:r>
-          </a:p>
-          <a:p>
-            <a:pPr marL="0" indent="0">
-              <a:buNone/>
-            </a:pPr>
-            <a:r>
-              <a:rPr lang="en-US" dirty="0"/>
-              <a:t> ├─ </a:t>
-            </a:r>
-            <a:r>
-              <a:rPr lang="en-US" dirty="0" err="1"/>
-              <a:t>fetch_commits</a:t>
-            </a:r>
-            <a:r>
-              <a:rPr lang="en-US" dirty="0"/>
-              <a:t>()</a:t>
-            </a:r>
-          </a:p>
-          <a:p>
-            <a:pPr marL="0" indent="0">
-              <a:buNone/>
-            </a:pPr>
-            <a:r>
-              <a:rPr lang="en-US" dirty="0"/>
-              <a:t> ├─ </a:t>
-            </a:r>
-            <a:r>
-              <a:rPr lang="en-US" dirty="0" err="1"/>
-              <a:t>fetch_issues</a:t>
-            </a:r>
-            <a:r>
-              <a:rPr lang="en-US" dirty="0"/>
-              <a:t>()</a:t>
-            </a:r>
-          </a:p>
-          <a:p>
-            <a:pPr marL="0" indent="0">
-              <a:buNone/>
-            </a:pPr>
-            <a:r>
-              <a:rPr lang="en-US" dirty="0"/>
-              <a:t> └─ </a:t>
-            </a:r>
-            <a:r>
-              <a:rPr lang="en-US" dirty="0" err="1"/>
-              <a:t>send_email</a:t>
-            </a:r>
-            <a:r>
-              <a:rPr lang="en-US" dirty="0"/>
-              <a:t>()</a:t>
-            </a:r>
-          </a:p>
-          <a:p>
-            <a:pPr marL="0" indent="0">
-              <a:buNone/>
-            </a:pPr>
+          <a:bodyPr/>
+          <a:lstStyle/>
+          <a:p>
             <a:endParaRPr lang="en-CN" dirty="0"/>
           </a:p>
         </p:txBody>
@@ -5997,7 +6451,7 @@
     </p:spTree>
     <p:extLst>
       <p:ext uri="{BB962C8B-B14F-4D97-AF65-F5344CB8AC3E}">
-        <p14:creationId xmlns:p14="http://schemas.microsoft.com/office/powerpoint/2010/main" val="2578101486"/>
+        <p14:creationId xmlns:p14="http://schemas.microsoft.com/office/powerpoint/2010/main" val="1921524680"/>
       </p:ext>
     </p:extLst>
   </p:cSld>
@@ -6100,7 +6554,7 @@
               <a:buNone/>
             </a:pPr>
             <a:r>
-              <a:rPr lang="en-US" b="1" dirty="0"/>
+              <a:rPr lang="en-US" sz="2400" b="1" dirty="0"/>
               <a:t>What are Function Calls?</a:t>
             </a:r>
           </a:p>
@@ -6129,10 +6583,10 @@
               <a:buNone/>
             </a:pPr>
             <a:r>
-              <a:rPr lang="en-US" b="1" dirty="0"/>
+              <a:rPr lang="en-US" sz="2400" b="1" dirty="0"/>
               <a:t>What Function Calls Enable</a:t>
             </a:r>
-            <a:endParaRPr lang="en-US" dirty="0"/>
+            <a:endParaRPr lang="en-US" sz="2400" dirty="0"/>
           </a:p>
           <a:p>
             <a:pPr>
@@ -6169,10 +6623,10 @@
               <a:buNone/>
             </a:pPr>
             <a:r>
-              <a:rPr lang="en-US" b="1" dirty="0"/>
+              <a:rPr lang="en-US" sz="2400" b="1" dirty="0"/>
               <a:t>Key Value</a:t>
             </a:r>
-            <a:endParaRPr lang="en-US" dirty="0"/>
+            <a:endParaRPr lang="en-US" sz="2400" dirty="0"/>
           </a:p>
           <a:p>
             <a:pPr>
@@ -6202,10 +6656,10 @@
               <a:buNone/>
             </a:pPr>
             <a:r>
-              <a:rPr lang="en-US" b="1" dirty="0"/>
+              <a:rPr lang="en-US" sz="2400" b="1" dirty="0"/>
               <a:t>Limitation</a:t>
             </a:r>
-            <a:endParaRPr lang="en-US" dirty="0"/>
+            <a:endParaRPr lang="en-US" sz="2400" dirty="0"/>
           </a:p>
           <a:p>
             <a:pPr>
@@ -6363,6 +6817,266 @@
           <p:cNvPr id="2" name="Title 1">
             <a:extLst>
               <a:ext uri="{FF2B5EF4-FFF2-40B4-BE49-F238E27FC236}">
+                <a16:creationId xmlns:a16="http://schemas.microsoft.com/office/drawing/2014/main" id="{EB6AD022-2A65-9D86-F207-456EE967250E}"/>
+              </a:ext>
+            </a:extLst>
+          </p:cNvPr>
+          <p:cNvSpPr>
+            <a:spLocks noGrp="1"/>
+          </p:cNvSpPr>
+          <p:nvPr>
+            <p:ph type="title"/>
+          </p:nvPr>
+        </p:nvSpPr>
+        <p:spPr/>
+        <p:txBody>
+          <a:bodyPr/>
+          <a:lstStyle/>
+          <a:p>
+            <a:r>
+              <a:rPr lang="en-US" altLang="zh-CN" dirty="0"/>
+              <a:t>Agent skills</a:t>
+            </a:r>
+            <a:r>
+              <a:rPr lang="zh-CN" altLang="en-US" dirty="0"/>
+              <a:t>和 </a:t>
+            </a:r>
+            <a:r>
+              <a:rPr lang="en-US" dirty="0"/>
+              <a:t>Function / MCP </a:t>
+            </a:r>
+            <a:r>
+              <a:rPr lang="zh-CN" altLang="en-US" dirty="0"/>
+              <a:t>的清晰分工</a:t>
+            </a:r>
+            <a:endParaRPr lang="en-CN" dirty="0"/>
+          </a:p>
+        </p:txBody>
+      </p:sp>
+      <p:sp>
+        <p:nvSpPr>
+          <p:cNvPr id="3" name="Content Placeholder 2">
+            <a:extLst>
+              <a:ext uri="{FF2B5EF4-FFF2-40B4-BE49-F238E27FC236}">
+                <a16:creationId xmlns:a16="http://schemas.microsoft.com/office/drawing/2014/main" id="{A2E7B8BE-02C4-C537-BD56-23EF5B7BFE9C}"/>
+              </a:ext>
+            </a:extLst>
+          </p:cNvPr>
+          <p:cNvSpPr>
+            <a:spLocks noGrp="1"/>
+          </p:cNvSpPr>
+          <p:nvPr>
+            <p:ph idx="1"/>
+          </p:nvPr>
+        </p:nvSpPr>
+        <p:spPr/>
+        <p:txBody>
+          <a:bodyPr>
+            <a:normAutofit fontScale="62500" lnSpcReduction="20000"/>
+          </a:bodyPr>
+          <a:lstStyle/>
+          <a:p>
+            <a:pPr marL="0" indent="0">
+              <a:buNone/>
+            </a:pPr>
+            <a:r>
+              <a:rPr lang="en-US" dirty="0"/>
+              <a:t>Skill</a:t>
+            </a:r>
+          </a:p>
+          <a:p>
+            <a:pPr marL="0" indent="0">
+              <a:buNone/>
+            </a:pPr>
+            <a:r>
+              <a:rPr lang="en-US" dirty="0"/>
+              <a:t> ├─ </a:t>
+            </a:r>
+            <a:r>
+              <a:rPr lang="zh-CN" altLang="en-US" dirty="0"/>
+              <a:t>决定“怎么做”</a:t>
+            </a:r>
+          </a:p>
+          <a:p>
+            <a:pPr marL="0" indent="0">
+              <a:buNone/>
+            </a:pPr>
+            <a:r>
+              <a:rPr lang="zh-CN" altLang="en-US" dirty="0"/>
+              <a:t> ├─ 约束输出结构</a:t>
+            </a:r>
+          </a:p>
+          <a:p>
+            <a:pPr marL="0" indent="0">
+              <a:buNone/>
+            </a:pPr>
+            <a:r>
+              <a:rPr lang="zh-CN" altLang="en-US" dirty="0"/>
+              <a:t> └─ 统一质量标准</a:t>
+            </a:r>
+          </a:p>
+          <a:p>
+            <a:pPr marL="0" indent="0">
+              <a:buNone/>
+            </a:pPr>
+            <a:endParaRPr lang="zh-CN" altLang="en-US" dirty="0"/>
+          </a:p>
+          <a:p>
+            <a:pPr marL="0" indent="0">
+              <a:buNone/>
+            </a:pPr>
+            <a:r>
+              <a:rPr lang="en-US" dirty="0"/>
+              <a:t>MCP</a:t>
+            </a:r>
+          </a:p>
+          <a:p>
+            <a:pPr marL="0" indent="0">
+              <a:buNone/>
+            </a:pPr>
+            <a:r>
+              <a:rPr lang="en-US" dirty="0"/>
+              <a:t> ├─ </a:t>
+            </a:r>
+            <a:r>
+              <a:rPr lang="zh-CN" altLang="en-US" dirty="0"/>
+              <a:t>提供 </a:t>
+            </a:r>
+            <a:r>
+              <a:rPr lang="en-US" dirty="0"/>
+              <a:t>Git / Jira / DB </a:t>
+            </a:r>
+            <a:r>
+              <a:rPr lang="zh-CN" altLang="en-US" dirty="0"/>
+              <a:t>访问</a:t>
+            </a:r>
+          </a:p>
+          <a:p>
+            <a:pPr marL="0" indent="0">
+              <a:buNone/>
+            </a:pPr>
+            <a:r>
+              <a:rPr lang="zh-CN" altLang="en-US" dirty="0"/>
+              <a:t> └─ 安全 </a:t>
+            </a:r>
+            <a:r>
+              <a:rPr lang="en-US" altLang="zh-CN" dirty="0"/>
+              <a:t>&amp; </a:t>
+            </a:r>
+            <a:r>
+              <a:rPr lang="zh-CN" altLang="en-US" dirty="0"/>
+              <a:t>标准化连接</a:t>
+            </a:r>
+          </a:p>
+          <a:p>
+            <a:pPr marL="0" indent="0">
+              <a:buNone/>
+            </a:pPr>
+            <a:endParaRPr lang="zh-CN" altLang="en-US" dirty="0"/>
+          </a:p>
+          <a:p>
+            <a:pPr marL="0" indent="0">
+              <a:buNone/>
+            </a:pPr>
+            <a:r>
+              <a:rPr lang="en-US" dirty="0"/>
+              <a:t>Function Call</a:t>
+            </a:r>
+          </a:p>
+          <a:p>
+            <a:pPr marL="0" indent="0">
+              <a:buNone/>
+            </a:pPr>
+            <a:r>
+              <a:rPr lang="en-US" dirty="0"/>
+              <a:t> ├─ </a:t>
+            </a:r>
+            <a:r>
+              <a:rPr lang="en-US" dirty="0" err="1"/>
+              <a:t>fetch_commits</a:t>
+            </a:r>
+            <a:r>
+              <a:rPr lang="en-US" dirty="0"/>
+              <a:t>()</a:t>
+            </a:r>
+          </a:p>
+          <a:p>
+            <a:pPr marL="0" indent="0">
+              <a:buNone/>
+            </a:pPr>
+            <a:r>
+              <a:rPr lang="en-US" dirty="0"/>
+              <a:t> ├─ </a:t>
+            </a:r>
+            <a:r>
+              <a:rPr lang="en-US" dirty="0" err="1"/>
+              <a:t>fetch_issues</a:t>
+            </a:r>
+            <a:r>
+              <a:rPr lang="en-US" dirty="0"/>
+              <a:t>()</a:t>
+            </a:r>
+          </a:p>
+          <a:p>
+            <a:pPr marL="0" indent="0">
+              <a:buNone/>
+            </a:pPr>
+            <a:r>
+              <a:rPr lang="en-US" dirty="0"/>
+              <a:t> └─ </a:t>
+            </a:r>
+            <a:r>
+              <a:rPr lang="en-US" dirty="0" err="1"/>
+              <a:t>send_email</a:t>
+            </a:r>
+            <a:r>
+              <a:rPr lang="en-US" dirty="0"/>
+              <a:t>()</a:t>
+            </a:r>
+          </a:p>
+          <a:p>
+            <a:pPr marL="0" indent="0">
+              <a:buNone/>
+            </a:pPr>
+            <a:endParaRPr lang="en-CN" dirty="0"/>
+          </a:p>
+        </p:txBody>
+      </p:sp>
+    </p:spTree>
+    <p:extLst>
+      <p:ext uri="{BB962C8B-B14F-4D97-AF65-F5344CB8AC3E}">
+        <p14:creationId xmlns:p14="http://schemas.microsoft.com/office/powerpoint/2010/main" val="2578101486"/>
+      </p:ext>
+    </p:extLst>
+  </p:cSld>
+  <p:clrMapOvr>
+    <a:masterClrMapping/>
+  </p:clrMapOvr>
+</p:sld>
+</file>
+
+<file path=ppt/slides/slide21.xml><?xml version="1.0" encoding="utf-8"?>
+<p:sld xmlns:a="http://schemas.openxmlformats.org/drawingml/2006/main" xmlns:r="http://schemas.openxmlformats.org/officeDocument/2006/relationships" xmlns:p="http://schemas.openxmlformats.org/presentationml/2006/main">
+  <p:cSld>
+    <p:spTree>
+      <p:nvGrpSpPr>
+        <p:cNvPr id="1" name=""/>
+        <p:cNvGrpSpPr/>
+        <p:nvPr/>
+      </p:nvGrpSpPr>
+      <p:grpSpPr>
+        <a:xfrm>
+          <a:off x="0" y="0"/>
+          <a:ext cx="0" cy="0"/>
+          <a:chOff x="0" y="0"/>
+          <a:chExt cx="0" cy="0"/>
+        </a:xfrm>
+      </p:grpSpPr>
+      <p:sp>
+        <p:nvSpPr>
+          <p:cNvPr id="2" name="Title 1">
+            <a:extLst>
+              <a:ext uri="{FF2B5EF4-FFF2-40B4-BE49-F238E27FC236}">
                 <a16:creationId xmlns:a16="http://schemas.microsoft.com/office/drawing/2014/main" id="{5B738D62-4457-E1B2-1154-340A3E99CF19}"/>
               </a:ext>
             </a:extLst>
@@ -6451,7 +7165,7 @@
 </p:sld>
 </file>
 
-<file path=ppt/slides/slide21.xml><?xml version="1.0" encoding="utf-8"?>
+<file path=ppt/slides/slide22.xml><?xml version="1.0" encoding="utf-8"?>
 <p:sld xmlns:a="http://schemas.openxmlformats.org/drawingml/2006/main" xmlns:r="http://schemas.openxmlformats.org/officeDocument/2006/relationships" xmlns:p="http://schemas.openxmlformats.org/presentationml/2006/main">
   <p:cSld>
     <p:spTree>
@@ -6630,242 +7344,6 @@
 </p:sld>
 </file>
 
-<file path=ppt/slides/slide22.xml><?xml version="1.0" encoding="utf-8"?>
-<p:sld xmlns:a="http://schemas.openxmlformats.org/drawingml/2006/main" xmlns:r="http://schemas.openxmlformats.org/officeDocument/2006/relationships" xmlns:p="http://schemas.openxmlformats.org/presentationml/2006/main">
-  <p:cSld>
-    <p:spTree>
-      <p:nvGrpSpPr>
-        <p:cNvPr id="1" name=""/>
-        <p:cNvGrpSpPr/>
-        <p:nvPr/>
-      </p:nvGrpSpPr>
-      <p:grpSpPr>
-        <a:xfrm>
-          <a:off x="0" y="0"/>
-          <a:ext cx="0" cy="0"/>
-          <a:chOff x="0" y="0"/>
-          <a:chExt cx="0" cy="0"/>
-        </a:xfrm>
-      </p:grpSpPr>
-      <p:sp>
-        <p:nvSpPr>
-          <p:cNvPr id="2" name="Title 1">
-            <a:extLst>
-              <a:ext uri="{FF2B5EF4-FFF2-40B4-BE49-F238E27FC236}">
-                <a16:creationId xmlns:a16="http://schemas.microsoft.com/office/drawing/2014/main" id="{30B6561B-6F67-50D5-8A85-E0E9B831C8A2}"/>
-              </a:ext>
-            </a:extLst>
-          </p:cNvPr>
-          <p:cNvSpPr>
-            <a:spLocks noGrp="1"/>
-          </p:cNvSpPr>
-          <p:nvPr>
-            <p:ph type="title"/>
-          </p:nvPr>
-        </p:nvSpPr>
-        <p:spPr/>
-        <p:txBody>
-          <a:bodyPr/>
-          <a:lstStyle/>
-          <a:p>
-            <a:r>
-              <a:rPr lang="en-US" dirty="0"/>
-              <a:t>Agent </a:t>
-            </a:r>
-            <a:r>
-              <a:rPr lang="zh-CN" altLang="en-US" dirty="0"/>
-              <a:t>实际怎么用</a:t>
-            </a:r>
-            <a:endParaRPr lang="en-CN" dirty="0"/>
-          </a:p>
-        </p:txBody>
-      </p:sp>
-      <p:sp>
-        <p:nvSpPr>
-          <p:cNvPr id="3" name="Content Placeholder 2">
-            <a:extLst>
-              <a:ext uri="{FF2B5EF4-FFF2-40B4-BE49-F238E27FC236}">
-                <a16:creationId xmlns:a16="http://schemas.microsoft.com/office/drawing/2014/main" id="{DA6D1E13-AC0B-0FCE-10E3-66CF2723589A}"/>
-              </a:ext>
-            </a:extLst>
-          </p:cNvPr>
-          <p:cNvSpPr>
-            <a:spLocks noGrp="1"/>
-          </p:cNvSpPr>
-          <p:nvPr>
-            <p:ph idx="1"/>
-          </p:nvPr>
-        </p:nvSpPr>
-        <p:spPr>
-          <a:xfrm>
-            <a:off x="838200" y="1825624"/>
-            <a:ext cx="3733800" cy="3215933"/>
-          </a:xfrm>
-        </p:spPr>
-        <p:txBody>
-          <a:bodyPr>
-            <a:normAutofit/>
-          </a:bodyPr>
-          <a:lstStyle/>
-          <a:p>
-            <a:pPr marL="0" indent="0">
-              <a:buNone/>
-            </a:pPr>
-            <a:r>
-              <a:rPr lang="zh-CN" altLang="en-US" sz="1400" dirty="0"/>
-              <a:t>用户：帮我 </a:t>
-            </a:r>
-            <a:r>
-              <a:rPr lang="en-US" sz="1400" dirty="0"/>
-              <a:t>review </a:t>
-            </a:r>
-            <a:r>
-              <a:rPr lang="zh-CN" altLang="en-US" sz="1400" dirty="0"/>
-              <a:t>这个 </a:t>
-            </a:r>
-            <a:r>
-              <a:rPr lang="en-US" sz="1400" dirty="0"/>
-              <a:t>PR</a:t>
-            </a:r>
-          </a:p>
-          <a:p>
-            <a:pPr marL="0" indent="0">
-              <a:buNone/>
-            </a:pPr>
-            <a:endParaRPr lang="en-US" sz="1400" dirty="0"/>
-          </a:p>
-          <a:p>
-            <a:pPr marL="0" indent="0">
-              <a:buNone/>
-            </a:pPr>
-            <a:r>
-              <a:rPr lang="en-US" sz="1400" dirty="0"/>
-              <a:t>Agent：</a:t>
-            </a:r>
-          </a:p>
-          <a:p>
-            <a:pPr marL="0" indent="0">
-              <a:buNone/>
-            </a:pPr>
-            <a:r>
-              <a:rPr lang="en-US" sz="1400" dirty="0"/>
-              <a:t>1. </a:t>
-            </a:r>
-            <a:r>
-              <a:rPr lang="zh-CN" altLang="en-US" sz="1400" dirty="0"/>
-              <a:t>判断是 </a:t>
-            </a:r>
-            <a:r>
-              <a:rPr lang="en-US" sz="1400" dirty="0"/>
-              <a:t>code review</a:t>
-            </a:r>
-          </a:p>
-          <a:p>
-            <a:pPr marL="0" indent="0">
-              <a:buNone/>
-            </a:pPr>
-            <a:r>
-              <a:rPr lang="en-US" sz="1400" dirty="0"/>
-              <a:t>2. </a:t>
-            </a:r>
-            <a:r>
-              <a:rPr lang="zh-CN" altLang="en-US" sz="1400" dirty="0"/>
-              <a:t>加载 </a:t>
-            </a:r>
-            <a:r>
-              <a:rPr lang="en-US" sz="1400" dirty="0" err="1"/>
-              <a:t>code_review_backend</a:t>
-            </a:r>
-            <a:r>
-              <a:rPr lang="en-US" sz="1400" dirty="0"/>
-              <a:t> Skill</a:t>
-            </a:r>
-          </a:p>
-          <a:p>
-            <a:pPr marL="0" indent="0">
-              <a:buNone/>
-            </a:pPr>
-            <a:r>
-              <a:rPr lang="en-US" sz="1400" dirty="0"/>
-              <a:t>3. </a:t>
-            </a:r>
-            <a:r>
-              <a:rPr lang="zh-CN" altLang="en-US" sz="1400" dirty="0"/>
-              <a:t>读取 </a:t>
-            </a:r>
-            <a:r>
-              <a:rPr lang="en-US" sz="1400" dirty="0" err="1"/>
-              <a:t>instructions.md</a:t>
-            </a:r>
-            <a:endParaRPr lang="en-US" sz="1400" dirty="0"/>
-          </a:p>
-          <a:p>
-            <a:pPr marL="0" indent="0">
-              <a:buNone/>
-            </a:pPr>
-            <a:r>
-              <a:rPr lang="en-US" sz="1400" dirty="0"/>
-              <a:t>4. </a:t>
-            </a:r>
-            <a:r>
-              <a:rPr lang="zh-CN" altLang="en-US" sz="1400" dirty="0"/>
-              <a:t>拉 </a:t>
-            </a:r>
-            <a:r>
-              <a:rPr lang="en-US" sz="1400" dirty="0"/>
-              <a:t>PR </a:t>
-            </a:r>
-            <a:r>
-              <a:rPr lang="en-US" sz="1400" dirty="0" err="1"/>
-              <a:t>diff（MCP</a:t>
-            </a:r>
-            <a:r>
-              <a:rPr lang="en-US" sz="1400" dirty="0"/>
-              <a:t> / Tool）</a:t>
-            </a:r>
-          </a:p>
-          <a:p>
-            <a:pPr marL="0" indent="0">
-              <a:buNone/>
-            </a:pPr>
-            <a:r>
-              <a:rPr lang="en-US" sz="1400" dirty="0"/>
-              <a:t>5. </a:t>
-            </a:r>
-            <a:r>
-              <a:rPr lang="zh-CN" altLang="en-US" sz="1400" dirty="0"/>
-              <a:t>严格按 </a:t>
-            </a:r>
-            <a:r>
-              <a:rPr lang="en-US" sz="1400" dirty="0"/>
-              <a:t>instructions </a:t>
-            </a:r>
-            <a:r>
-              <a:rPr lang="zh-CN" altLang="en-US" sz="1400" dirty="0"/>
-              <a:t>生成结果</a:t>
-            </a:r>
-          </a:p>
-          <a:p>
-            <a:pPr marL="0" indent="0">
-              <a:buNone/>
-            </a:pPr>
-            <a:endParaRPr lang="en-CN" sz="1400" dirty="0"/>
-          </a:p>
-        </p:txBody>
-      </p:sp>
-    </p:spTree>
-    <p:extLst>
-      <p:ext uri="{BB962C8B-B14F-4D97-AF65-F5344CB8AC3E}">
-        <p14:creationId xmlns:p14="http://schemas.microsoft.com/office/powerpoint/2010/main" val="485208152"/>
-      </p:ext>
-    </p:extLst>
-  </p:cSld>
-  <p:clrMapOvr>
-    <a:masterClrMapping/>
-  </p:clrMapOvr>
-</p:sld>
-</file>
-
 <file path=ppt/slides/slide23.xml><?xml version="1.0" encoding="utf-8"?>
 <p:sld xmlns:a="http://schemas.openxmlformats.org/drawingml/2006/main" xmlns:r="http://schemas.openxmlformats.org/officeDocument/2006/relationships" xmlns:p="http://schemas.openxmlformats.org/presentationml/2006/main">
   <p:cSld>
@@ -6888,7 +7366,7 @@
           <p:cNvPr id="2" name="Title 1">
             <a:extLst>
               <a:ext uri="{FF2B5EF4-FFF2-40B4-BE49-F238E27FC236}">
-                <a16:creationId xmlns:a16="http://schemas.microsoft.com/office/drawing/2014/main" id="{CC4A4C3A-30C1-6FCC-9603-36E785CC8609}"/>
+                <a16:creationId xmlns:a16="http://schemas.microsoft.com/office/drawing/2014/main" id="{30B6561B-6F67-50D5-8A85-E0E9B831C8A2}"/>
               </a:ext>
             </a:extLst>
           </p:cNvPr>
@@ -6904,7 +7382,15 @@
           <a:bodyPr/>
           <a:lstStyle/>
           <a:p>
-            <a:endParaRPr lang="en-CN"/>
+            <a:r>
+              <a:rPr lang="en-US" dirty="0"/>
+              <a:t>Agent </a:t>
+            </a:r>
+            <a:r>
+              <a:rPr lang="zh-CN" altLang="en-US" dirty="0"/>
+              <a:t>实际怎么用</a:t>
+            </a:r>
+            <a:endParaRPr lang="en-CN" dirty="0"/>
           </a:p>
         </p:txBody>
       </p:sp>
@@ -6913,7 +7399,7 @@
           <p:cNvPr id="3" name="Content Placeholder 2">
             <a:extLst>
               <a:ext uri="{FF2B5EF4-FFF2-40B4-BE49-F238E27FC236}">
-                <a16:creationId xmlns:a16="http://schemas.microsoft.com/office/drawing/2014/main" id="{223EA4B7-47F5-3083-F170-C123B0396525}"/>
+                <a16:creationId xmlns:a16="http://schemas.microsoft.com/office/drawing/2014/main" id="{DA6D1E13-AC0B-0FCE-10E3-66CF2723589A}"/>
               </a:ext>
             </a:extLst>
           </p:cNvPr>
@@ -6924,19 +7410,246 @@
             <p:ph idx="1"/>
           </p:nvPr>
         </p:nvSpPr>
-        <p:spPr/>
-        <p:txBody>
-          <a:bodyPr/>
-          <a:lstStyle/>
-          <a:p>
-            <a:endParaRPr lang="en-CN" dirty="0"/>
+        <p:spPr>
+          <a:xfrm>
+            <a:off x="838200" y="1825624"/>
+            <a:ext cx="3733800" cy="3215933"/>
+          </a:xfrm>
+        </p:spPr>
+        <p:txBody>
+          <a:bodyPr>
+            <a:normAutofit/>
+          </a:bodyPr>
+          <a:lstStyle/>
+          <a:p>
+            <a:pPr marL="0" indent="0">
+              <a:buNone/>
+            </a:pPr>
+            <a:r>
+              <a:rPr lang="zh-CN" altLang="en-US" sz="1400" dirty="0"/>
+              <a:t>用户：帮我 </a:t>
+            </a:r>
+            <a:r>
+              <a:rPr lang="en-US" sz="1400" dirty="0"/>
+              <a:t>review </a:t>
+            </a:r>
+            <a:r>
+              <a:rPr lang="zh-CN" altLang="en-US" sz="1400" dirty="0"/>
+              <a:t>这个 </a:t>
+            </a:r>
+            <a:r>
+              <a:rPr lang="en-US" sz="1400" dirty="0"/>
+              <a:t>PR</a:t>
+            </a:r>
+          </a:p>
+          <a:p>
+            <a:pPr marL="0" indent="0">
+              <a:buNone/>
+            </a:pPr>
+            <a:endParaRPr lang="en-US" sz="1400" dirty="0"/>
+          </a:p>
+          <a:p>
+            <a:pPr marL="0" indent="0">
+              <a:buNone/>
+            </a:pPr>
+            <a:r>
+              <a:rPr lang="en-US" sz="1400" dirty="0"/>
+              <a:t>Agent：</a:t>
+            </a:r>
+          </a:p>
+          <a:p>
+            <a:pPr marL="0" indent="0">
+              <a:buNone/>
+            </a:pPr>
+            <a:r>
+              <a:rPr lang="en-US" sz="1400" dirty="0"/>
+              <a:t>1. </a:t>
+            </a:r>
+            <a:r>
+              <a:rPr lang="zh-CN" altLang="en-US" sz="1400" dirty="0"/>
+              <a:t>判断是 </a:t>
+            </a:r>
+            <a:r>
+              <a:rPr lang="en-US" sz="1400" dirty="0"/>
+              <a:t>code review</a:t>
+            </a:r>
+          </a:p>
+          <a:p>
+            <a:pPr marL="0" indent="0">
+              <a:buNone/>
+            </a:pPr>
+            <a:r>
+              <a:rPr lang="en-US" sz="1400" dirty="0"/>
+              <a:t>2. </a:t>
+            </a:r>
+            <a:r>
+              <a:rPr lang="zh-CN" altLang="en-US" sz="1400" dirty="0"/>
+              <a:t>加载 </a:t>
+            </a:r>
+            <a:r>
+              <a:rPr lang="en-US" sz="1400" dirty="0" err="1"/>
+              <a:t>code_review_backend</a:t>
+            </a:r>
+            <a:r>
+              <a:rPr lang="en-US" sz="1400" dirty="0"/>
+              <a:t> Skill</a:t>
+            </a:r>
+          </a:p>
+          <a:p>
+            <a:pPr marL="0" indent="0">
+              <a:buNone/>
+            </a:pPr>
+            <a:r>
+              <a:rPr lang="en-US" sz="1400" dirty="0"/>
+              <a:t>3. </a:t>
+            </a:r>
+            <a:r>
+              <a:rPr lang="zh-CN" altLang="en-US" sz="1400" dirty="0"/>
+              <a:t>读取 </a:t>
+            </a:r>
+            <a:r>
+              <a:rPr lang="en-US" sz="1400" dirty="0" err="1"/>
+              <a:t>instructions.md</a:t>
+            </a:r>
+            <a:endParaRPr lang="en-US" sz="1400" dirty="0"/>
+          </a:p>
+          <a:p>
+            <a:pPr marL="0" indent="0">
+              <a:buNone/>
+            </a:pPr>
+            <a:r>
+              <a:rPr lang="en-US" sz="1400" dirty="0"/>
+              <a:t>4. </a:t>
+            </a:r>
+            <a:r>
+              <a:rPr lang="zh-CN" altLang="en-US" sz="1400" dirty="0"/>
+              <a:t>拉 </a:t>
+            </a:r>
+            <a:r>
+              <a:rPr lang="en-US" sz="1400" dirty="0"/>
+              <a:t>PR </a:t>
+            </a:r>
+            <a:r>
+              <a:rPr lang="en-US" sz="1400" dirty="0" err="1"/>
+              <a:t>diff（MCP</a:t>
+            </a:r>
+            <a:r>
+              <a:rPr lang="en-US" sz="1400" dirty="0"/>
+              <a:t> / Tool）</a:t>
+            </a:r>
+          </a:p>
+          <a:p>
+            <a:pPr marL="0" indent="0">
+              <a:buNone/>
+            </a:pPr>
+            <a:r>
+              <a:rPr lang="en-US" sz="1400" dirty="0"/>
+              <a:t>5. </a:t>
+            </a:r>
+            <a:r>
+              <a:rPr lang="zh-CN" altLang="en-US" sz="1400" dirty="0"/>
+              <a:t>严格按 </a:t>
+            </a:r>
+            <a:r>
+              <a:rPr lang="en-US" sz="1400" dirty="0"/>
+              <a:t>instructions </a:t>
+            </a:r>
+            <a:r>
+              <a:rPr lang="zh-CN" altLang="en-US" sz="1400" dirty="0"/>
+              <a:t>生成结果</a:t>
+            </a:r>
+          </a:p>
+          <a:p>
+            <a:pPr marL="0" indent="0">
+              <a:buNone/>
+            </a:pPr>
+            <a:endParaRPr lang="en-CN" sz="1400" dirty="0"/>
           </a:p>
         </p:txBody>
       </p:sp>
     </p:spTree>
     <p:extLst>
       <p:ext uri="{BB962C8B-B14F-4D97-AF65-F5344CB8AC3E}">
-        <p14:creationId xmlns:p14="http://schemas.microsoft.com/office/powerpoint/2010/main" val="1990140643"/>
+        <p14:creationId xmlns:p14="http://schemas.microsoft.com/office/powerpoint/2010/main" val="485208152"/>
+      </p:ext>
+    </p:extLst>
+  </p:cSld>
+  <p:clrMapOvr>
+    <a:masterClrMapping/>
+  </p:clrMapOvr>
+</p:sld>
+</file>
+
+<file path=ppt/slides/slide24.xml><?xml version="1.0" encoding="utf-8"?>
+<p:sld xmlns:a="http://schemas.openxmlformats.org/drawingml/2006/main" xmlns:r="http://schemas.openxmlformats.org/officeDocument/2006/relationships" xmlns:p="http://schemas.openxmlformats.org/presentationml/2006/main">
+  <p:cSld>
+    <p:spTree>
+      <p:nvGrpSpPr>
+        <p:cNvPr id="1" name=""/>
+        <p:cNvGrpSpPr/>
+        <p:nvPr/>
+      </p:nvGrpSpPr>
+      <p:grpSpPr>
+        <a:xfrm>
+          <a:off x="0" y="0"/>
+          <a:ext cx="0" cy="0"/>
+          <a:chOff x="0" y="0"/>
+          <a:chExt cx="0" cy="0"/>
+        </a:xfrm>
+      </p:grpSpPr>
+      <p:pic>
+        <p:nvPicPr>
+          <p:cNvPr id="2050" name="Picture 2" descr="Thank you text Images - Free Download on Freepik">
+            <a:extLst>
+              <a:ext uri="{FF2B5EF4-FFF2-40B4-BE49-F238E27FC236}">
+                <a16:creationId xmlns:a16="http://schemas.microsoft.com/office/drawing/2014/main" id="{DB094294-E189-EDD9-A001-618EC72A2403}"/>
+              </a:ext>
+            </a:extLst>
+          </p:cNvPr>
+          <p:cNvPicPr>
+            <a:picLocks noGrp="1" noChangeAspect="1" noChangeArrowheads="1"/>
+          </p:cNvPicPr>
+          <p:nvPr>
+            <p:ph idx="1"/>
+          </p:nvPr>
+        </p:nvPicPr>
+        <p:blipFill>
+          <a:blip r:embed="rId2">
+            <a:extLst>
+              <a:ext uri="{28A0092B-C50C-407E-A947-70E740481C1C}">
+                <a14:useLocalDpi xmlns:a14="http://schemas.microsoft.com/office/drawing/2010/main" val="0"/>
+              </a:ext>
+            </a:extLst>
+          </a:blip>
+          <a:srcRect/>
+          <a:stretch>
+            <a:fillRect/>
+          </a:stretch>
+        </p:blipFill>
+        <p:spPr bwMode="auto">
+          <a:xfrm>
+            <a:off x="2827548" y="1079176"/>
+            <a:ext cx="6145019" cy="4351338"/>
+          </a:xfrm>
+          <a:prstGeom prst="rect">
+            <a:avLst/>
+          </a:prstGeom>
+          <a:noFill/>
+          <a:extLst>
+            <a:ext uri="{909E8E84-426E-40DD-AFC4-6F175D3DCCD1}">
+              <a14:hiddenFill xmlns:a14="http://schemas.microsoft.com/office/drawing/2010/main">
+                <a:solidFill>
+                  <a:srgbClr val="FFFFFF"/>
+                </a:solidFill>
+              </a14:hiddenFill>
+            </a:ext>
+          </a:extLst>
+        </p:spPr>
+      </p:pic>
+    </p:spTree>
+    <p:extLst>
+      <p:ext uri="{BB962C8B-B14F-4D97-AF65-F5344CB8AC3E}">
+        <p14:creationId xmlns:p14="http://schemas.microsoft.com/office/powerpoint/2010/main" val="3189853209"/>
       </p:ext>
     </p:extLst>
   </p:cSld>
@@ -7307,7 +8020,7 @@
               <a:buNone/>
             </a:pPr>
             <a:r>
-              <a:rPr lang="en-US" b="1" dirty="0"/>
+              <a:rPr lang="en-US" sz="2400" b="1" dirty="0"/>
               <a:t>What is MCP?</a:t>
             </a:r>
           </a:p>
@@ -7336,10 +8049,10 @@
               <a:buNone/>
             </a:pPr>
             <a:r>
-              <a:rPr lang="en-US" b="1" dirty="0"/>
+              <a:rPr lang="en-US" sz="2400" b="1" dirty="0"/>
               <a:t>What MCP Solves</a:t>
             </a:r>
-            <a:endParaRPr lang="en-US" dirty="0"/>
+            <a:endParaRPr lang="en-US" sz="2400" dirty="0"/>
           </a:p>
           <a:p>
             <a:pPr>
@@ -7376,10 +8089,10 @@
               <a:buNone/>
             </a:pPr>
             <a:r>
-              <a:rPr lang="en-US" b="1" dirty="0"/>
+              <a:rPr lang="en-US" sz="2400" b="1" dirty="0"/>
               <a:t>Key Value</a:t>
             </a:r>
-            <a:endParaRPr lang="en-US" dirty="0"/>
+            <a:endParaRPr lang="en-US" sz="2400" dirty="0"/>
           </a:p>
           <a:p>
             <a:pPr>
@@ -7396,10 +8109,10 @@
               <a:buNone/>
             </a:pPr>
             <a:r>
-              <a:rPr lang="en-US" b="1" dirty="0"/>
+              <a:rPr lang="en-US" sz="2400" b="1" dirty="0"/>
               <a:t>Still Missing</a:t>
             </a:r>
-            <a:endParaRPr lang="en-US" dirty="0"/>
+            <a:endParaRPr lang="en-US" sz="2400" dirty="0"/>
           </a:p>
           <a:p>
             <a:pPr>
@@ -7774,12 +8487,383 @@
           </a:p>
         </p:txBody>
       </p:sp>
+      <p:pic>
+        <p:nvPicPr>
+          <p:cNvPr id="14" name="内容占位符 13">
+            <a:extLst>
+              <a:ext uri="{FF2B5EF4-FFF2-40B4-BE49-F238E27FC236}">
+                <a16:creationId xmlns:a16="http://schemas.microsoft.com/office/drawing/2014/main" id="{C840BBAD-1570-42A2-BE9A-391AF0EBF268}"/>
+              </a:ext>
+            </a:extLst>
+          </p:cNvPr>
+          <p:cNvPicPr>
+            <a:picLocks noGrp="1" noChangeAspect="1"/>
+          </p:cNvPicPr>
+          <p:nvPr>
+            <p:ph idx="1"/>
+          </p:nvPr>
+        </p:nvPicPr>
+        <p:blipFill>
+          <a:blip r:embed="rId3"/>
+          <a:stretch>
+            <a:fillRect/>
+          </a:stretch>
+        </p:blipFill>
+        <p:spPr>
+          <a:xfrm>
+            <a:off x="2552227" y="5674830"/>
+            <a:ext cx="9334974" cy="1061985"/>
+          </a:xfrm>
+          <a:prstGeom prst="rect">
+            <a:avLst/>
+          </a:prstGeom>
+        </p:spPr>
+      </p:pic>
+      <p:pic>
+        <p:nvPicPr>
+          <p:cNvPr id="16" name="图片 15">
+            <a:extLst>
+              <a:ext uri="{FF2B5EF4-FFF2-40B4-BE49-F238E27FC236}">
+                <a16:creationId xmlns:a16="http://schemas.microsoft.com/office/drawing/2014/main" id="{5094F146-AF66-ADA9-38EB-BEEEC26872D4}"/>
+              </a:ext>
+            </a:extLst>
+          </p:cNvPr>
+          <p:cNvPicPr>
+            <a:picLocks noChangeAspect="1"/>
+          </p:cNvPicPr>
+          <p:nvPr/>
+        </p:nvPicPr>
+        <p:blipFill>
+          <a:blip r:embed="rId4"/>
+          <a:stretch>
+            <a:fillRect/>
+          </a:stretch>
+        </p:blipFill>
+        <p:spPr>
+          <a:xfrm>
+            <a:off x="2647477" y="4003220"/>
+            <a:ext cx="7082276" cy="1515327"/>
+          </a:xfrm>
+          <a:prstGeom prst="rect">
+            <a:avLst/>
+          </a:prstGeom>
+        </p:spPr>
+      </p:pic>
+      <p:pic>
+        <p:nvPicPr>
+          <p:cNvPr id="18" name="图片 17">
+            <a:extLst>
+              <a:ext uri="{FF2B5EF4-FFF2-40B4-BE49-F238E27FC236}">
+                <a16:creationId xmlns:a16="http://schemas.microsoft.com/office/drawing/2014/main" id="{B781BB5F-A8AF-017D-F5DC-A95A15F6809A}"/>
+              </a:ext>
+            </a:extLst>
+          </p:cNvPr>
+          <p:cNvPicPr>
+            <a:picLocks noChangeAspect="1"/>
+          </p:cNvPicPr>
+          <p:nvPr/>
+        </p:nvPicPr>
+        <p:blipFill>
+          <a:blip r:embed="rId5"/>
+          <a:stretch>
+            <a:fillRect/>
+          </a:stretch>
+        </p:blipFill>
+        <p:spPr>
+          <a:xfrm>
+            <a:off x="2857027" y="3039129"/>
+            <a:ext cx="7249537" cy="885949"/>
+          </a:xfrm>
+          <a:prstGeom prst="rect">
+            <a:avLst/>
+          </a:prstGeom>
+        </p:spPr>
+      </p:pic>
+      <p:sp>
+        <p:nvSpPr>
+          <p:cNvPr id="20" name="文本框 19">
+            <a:extLst>
+              <a:ext uri="{FF2B5EF4-FFF2-40B4-BE49-F238E27FC236}">
+                <a16:creationId xmlns:a16="http://schemas.microsoft.com/office/drawing/2014/main" id="{BD8692D8-AB0E-C14C-6D37-F786AAD17739}"/>
+              </a:ext>
+            </a:extLst>
+          </p:cNvPr>
+          <p:cNvSpPr txBox="1"/>
+          <p:nvPr/>
+        </p:nvSpPr>
+        <p:spPr>
+          <a:xfrm>
+            <a:off x="388144" y="1173787"/>
+            <a:ext cx="7917656" cy="923330"/>
+          </a:xfrm>
+          <a:prstGeom prst="rect">
+            <a:avLst/>
+          </a:prstGeom>
+          <a:noFill/>
+        </p:spPr>
+        <p:txBody>
+          <a:bodyPr wrap="square">
+            <a:spAutoFit/>
+          </a:bodyPr>
+          <a:lstStyle/>
+          <a:p>
+            <a:pPr algn="l">
+              <a:buNone/>
+            </a:pPr>
+            <a:r>
+              <a:rPr lang="zh-CN" altLang="en-US" b="0" i="0" dirty="0">
+                <a:solidFill>
+                  <a:srgbClr val="191B1F"/>
+                </a:solidFill>
+                <a:effectLst/>
+                <a:latin typeface="-apple-system"/>
+              </a:rPr>
+              <a:t>而就在 </a:t>
+            </a:r>
+            <a:r>
+              <a:rPr lang="en-US" altLang="zh-CN" b="0" i="0" dirty="0">
+                <a:solidFill>
+                  <a:srgbClr val="191B1F"/>
+                </a:solidFill>
+                <a:effectLst/>
+                <a:latin typeface="-apple-system"/>
+              </a:rPr>
+              <a:t>12 </a:t>
+            </a:r>
+            <a:r>
+              <a:rPr lang="zh-CN" altLang="en-US" b="0" i="0" dirty="0">
+                <a:solidFill>
+                  <a:srgbClr val="191B1F"/>
+                </a:solidFill>
+                <a:effectLst/>
+                <a:latin typeface="-apple-system"/>
+              </a:rPr>
+              <a:t>月 </a:t>
+            </a:r>
+            <a:r>
+              <a:rPr lang="en-US" altLang="zh-CN" b="0" i="0" dirty="0">
+                <a:solidFill>
+                  <a:srgbClr val="191B1F"/>
+                </a:solidFill>
+                <a:effectLst/>
+                <a:latin typeface="-apple-system"/>
+              </a:rPr>
+              <a:t>18 </a:t>
+            </a:r>
+            <a:r>
+              <a:rPr lang="zh-CN" altLang="en-US" b="0" i="0" dirty="0">
+                <a:solidFill>
+                  <a:srgbClr val="191B1F"/>
+                </a:solidFill>
+                <a:effectLst/>
+                <a:latin typeface="-apple-system"/>
+              </a:rPr>
+              <a:t>日，</a:t>
+            </a:r>
+            <a:r>
+              <a:rPr lang="en-US" altLang="zh-CN" b="0" i="0" u="none" strike="noStrike" dirty="0">
+                <a:solidFill>
+                  <a:srgbClr val="09408E"/>
+                </a:solidFill>
+                <a:effectLst/>
+                <a:latin typeface="-apple-system"/>
+                <a:hlinkClick r:id="rId6"/>
+              </a:rPr>
+              <a:t>Anthropic</a:t>
+            </a:r>
+            <a:r>
+              <a:rPr lang="en-US" altLang="zh-CN" b="0" i="0" dirty="0">
+                <a:solidFill>
+                  <a:srgbClr val="191B1F"/>
+                </a:solidFill>
+                <a:effectLst/>
+                <a:latin typeface="-apple-system"/>
+              </a:rPr>
+              <a:t> </a:t>
+            </a:r>
+            <a:r>
+              <a:rPr lang="zh-CN" altLang="en-US" b="0" i="0" dirty="0">
+                <a:solidFill>
+                  <a:srgbClr val="191B1F"/>
+                </a:solidFill>
+                <a:effectLst/>
+                <a:latin typeface="-apple-system"/>
+              </a:rPr>
+              <a:t>把 </a:t>
+            </a:r>
+            <a:r>
+              <a:rPr lang="en-US" altLang="zh-CN" b="0" i="0" dirty="0">
+                <a:solidFill>
+                  <a:srgbClr val="191B1F"/>
+                </a:solidFill>
+                <a:effectLst/>
+                <a:latin typeface="-apple-system"/>
+              </a:rPr>
+              <a:t>Agent Skills </a:t>
+            </a:r>
+            <a:r>
+              <a:rPr lang="zh-CN" altLang="en-US" b="0" i="0" dirty="0">
+                <a:solidFill>
+                  <a:srgbClr val="191B1F"/>
+                </a:solidFill>
+                <a:effectLst/>
+                <a:latin typeface="-apple-system"/>
+              </a:rPr>
+              <a:t>作为开放的标准，发布了相应的 </a:t>
+            </a:r>
+            <a:r>
+              <a:rPr lang="en-US" altLang="zh-CN" b="0" i="0" dirty="0">
+                <a:solidFill>
+                  <a:srgbClr val="191B1F"/>
+                </a:solidFill>
+                <a:effectLst/>
+                <a:latin typeface="-apple-system"/>
+              </a:rPr>
+              <a:t>specification</a:t>
+            </a:r>
+            <a:r>
+              <a:rPr lang="zh-CN" altLang="en-US" b="0" i="0" dirty="0">
+                <a:solidFill>
+                  <a:srgbClr val="191B1F"/>
+                </a:solidFill>
+                <a:effectLst/>
+                <a:latin typeface="-apple-system"/>
+              </a:rPr>
+              <a:t>，以便让任何的 </a:t>
+            </a:r>
+            <a:r>
+              <a:rPr lang="en-US" altLang="zh-CN" b="0" i="0" dirty="0">
+                <a:solidFill>
+                  <a:srgbClr val="191B1F"/>
+                </a:solidFill>
+                <a:effectLst/>
+                <a:latin typeface="-apple-system"/>
+              </a:rPr>
+              <a:t>AI </a:t>
+            </a:r>
+            <a:r>
+              <a:rPr lang="zh-CN" altLang="en-US" b="0" i="0" dirty="0">
+                <a:solidFill>
+                  <a:srgbClr val="191B1F"/>
+                </a:solidFill>
+                <a:effectLst/>
+                <a:latin typeface="-apple-system"/>
+              </a:rPr>
+              <a:t>平台可以集成：</a:t>
+            </a:r>
+          </a:p>
+          <a:p>
+            <a:pPr algn="l">
+              <a:buNone/>
+            </a:pPr>
+            <a:r>
+              <a:rPr lang="en-US" altLang="zh-CN" b="0" i="0" u="none" strike="noStrike" dirty="0">
+                <a:solidFill>
+                  <a:srgbClr val="09408E"/>
+                </a:solidFill>
+                <a:effectLst/>
+                <a:latin typeface="a"/>
+                <a:hlinkClick r:id="rId7"/>
+              </a:rPr>
+              <a:t>https://</a:t>
+            </a:r>
+            <a:r>
+              <a:rPr lang="en-US" altLang="zh-CN" b="0" i="0" u="none" strike="noStrike" dirty="0">
+                <a:solidFill>
+                  <a:srgbClr val="09408E"/>
+                </a:solidFill>
+                <a:effectLst/>
+                <a:latin typeface="-apple-system"/>
+                <a:hlinkClick r:id="rId7"/>
+              </a:rPr>
+              <a:t>agentskills.io/</a:t>
+            </a:r>
+            <a:endParaRPr lang="en-US" altLang="zh-CN" b="0" i="0" dirty="0">
+              <a:solidFill>
+                <a:srgbClr val="191B1F"/>
+              </a:solidFill>
+              <a:effectLst/>
+              <a:latin typeface="-apple-system"/>
+            </a:endParaRPr>
+          </a:p>
+        </p:txBody>
+      </p:sp>
+    </p:spTree>
+    <p:extLst>
+      <p:ext uri="{BB962C8B-B14F-4D97-AF65-F5344CB8AC3E}">
+        <p14:creationId xmlns:p14="http://schemas.microsoft.com/office/powerpoint/2010/main" val="3147205926"/>
+      </p:ext>
+    </p:extLst>
+  </p:cSld>
+  <p:clrMapOvr>
+    <a:masterClrMapping/>
+  </p:clrMapOvr>
+</p:sld>
+</file>
+
+<file path=ppt/slides/slide7.xml><?xml version="1.0" encoding="utf-8"?>
+<p:sld xmlns:a="http://schemas.openxmlformats.org/drawingml/2006/main" xmlns:r="http://schemas.openxmlformats.org/officeDocument/2006/relationships" xmlns:p="http://schemas.openxmlformats.org/presentationml/2006/main">
+  <p:cSld>
+    <p:spTree>
+      <p:nvGrpSpPr>
+        <p:cNvPr id="1" name="">
+          <a:extLst>
+            <a:ext uri="{FF2B5EF4-FFF2-40B4-BE49-F238E27FC236}">
+              <a16:creationId xmlns:a16="http://schemas.microsoft.com/office/drawing/2014/main" id="{34FE8093-5CE7-FB9C-F62F-04C32A7253FC}"/>
+            </a:ext>
+          </a:extLst>
+        </p:cNvPr>
+        <p:cNvGrpSpPr/>
+        <p:nvPr/>
+      </p:nvGrpSpPr>
+      <p:grpSpPr>
+        <a:xfrm>
+          <a:off x="0" y="0"/>
+          <a:ext cx="0" cy="0"/>
+          <a:chOff x="0" y="0"/>
+          <a:chExt cx="0" cy="0"/>
+        </a:xfrm>
+      </p:grpSpPr>
+      <p:sp>
+        <p:nvSpPr>
+          <p:cNvPr id="2" name="Title 1">
+            <a:extLst>
+              <a:ext uri="{FF2B5EF4-FFF2-40B4-BE49-F238E27FC236}">
+                <a16:creationId xmlns:a16="http://schemas.microsoft.com/office/drawing/2014/main" id="{4C3B49E6-0838-0193-44D4-B8E4DB723877}"/>
+              </a:ext>
+            </a:extLst>
+          </p:cNvPr>
+          <p:cNvSpPr>
+            <a:spLocks noGrp="1"/>
+          </p:cNvSpPr>
+          <p:nvPr>
+            <p:ph type="title"/>
+          </p:nvPr>
+        </p:nvSpPr>
+        <p:spPr>
+          <a:xfrm>
+            <a:off x="137641" y="121185"/>
+            <a:ext cx="10620260" cy="1002535"/>
+          </a:xfrm>
+        </p:spPr>
+        <p:txBody>
+          <a:bodyPr/>
+          <a:lstStyle/>
+          <a:p>
+            <a:r>
+              <a:rPr lang="en-US" dirty="0"/>
+              <a:t>Agent Skills</a:t>
+            </a:r>
+            <a:endParaRPr lang="en-US" b="1" dirty="0"/>
+          </a:p>
+        </p:txBody>
+      </p:sp>
       <p:sp>
         <p:nvSpPr>
           <p:cNvPr id="3" name="Content Placeholder 2">
             <a:extLst>
               <a:ext uri="{FF2B5EF4-FFF2-40B4-BE49-F238E27FC236}">
-                <a16:creationId xmlns:a16="http://schemas.microsoft.com/office/drawing/2014/main" id="{4ED090BB-55E5-57DA-4C95-3C456F9B5487}"/>
+                <a16:creationId xmlns:a16="http://schemas.microsoft.com/office/drawing/2014/main" id="{CF93157C-AFB5-21AA-6D46-179D18263EE2}"/>
               </a:ext>
             </a:extLst>
           </p:cNvPr>
@@ -7806,10 +8890,10 @@
               <a:buNone/>
             </a:pPr>
             <a:r>
-              <a:rPr lang="en-US" b="1" dirty="0"/>
+              <a:rPr lang="en-US" sz="2600" b="1" dirty="0"/>
               <a:t>What Are Agent Skills?</a:t>
             </a:r>
-            <a:endParaRPr lang="en-US" dirty="0"/>
+            <a:endParaRPr lang="en-US" sz="2600" dirty="0"/>
           </a:p>
           <a:p>
             <a:pPr>
@@ -7844,10 +8928,10 @@
               <a:buNone/>
             </a:pPr>
             <a:r>
-              <a:rPr lang="en-US" b="1" dirty="0"/>
+              <a:rPr lang="en-US" sz="2600" b="1" dirty="0"/>
               <a:t>What Skills Contain</a:t>
             </a:r>
-            <a:endParaRPr lang="en-US" dirty="0"/>
+            <a:endParaRPr lang="en-US" sz="2600" dirty="0"/>
           </a:p>
           <a:p>
             <a:pPr>
@@ -7884,10 +8968,10 @@
               <a:buNone/>
             </a:pPr>
             <a:r>
-              <a:rPr lang="en-US" b="1" dirty="0"/>
+              <a:rPr lang="en-US" sz="2600" b="1" dirty="0"/>
               <a:t>What Skills Are NOT</a:t>
             </a:r>
-            <a:endParaRPr lang="en-US" dirty="0"/>
+            <a:endParaRPr lang="en-US" sz="2600" dirty="0"/>
           </a:p>
           <a:p>
             <a:pPr>
@@ -7924,10 +9008,10 @@
               <a:buNone/>
             </a:pPr>
             <a:r>
-              <a:rPr lang="en-US" b="1" dirty="0"/>
+              <a:rPr lang="en-US" sz="2600" b="1" dirty="0"/>
               <a:t>Role in the Architecture</a:t>
             </a:r>
-            <a:endParaRPr lang="en-US" dirty="0"/>
+            <a:endParaRPr lang="en-US" sz="2600" dirty="0"/>
           </a:p>
           <a:p>
             <a:pPr>
@@ -7966,7 +9050,7 @@
           <p:cNvPr id="7" name="Picture 6">
             <a:extLst>
               <a:ext uri="{FF2B5EF4-FFF2-40B4-BE49-F238E27FC236}">
-                <a16:creationId xmlns:a16="http://schemas.microsoft.com/office/drawing/2014/main" id="{0E169E3B-8C66-C66E-8826-D35DDAB742ED}"/>
+                <a16:creationId xmlns:a16="http://schemas.microsoft.com/office/drawing/2014/main" id="{84783E6F-C474-1F30-996F-CFCFD4C5E5FC}"/>
               </a:ext>
             </a:extLst>
           </p:cNvPr>
@@ -8002,7 +9086,7 @@
           <p:cNvPr id="9" name="Picture 8">
             <a:extLst>
               <a:ext uri="{FF2B5EF4-FFF2-40B4-BE49-F238E27FC236}">
-                <a16:creationId xmlns:a16="http://schemas.microsoft.com/office/drawing/2014/main" id="{797C1851-1E42-1BBD-C1D4-B2BACB742389}"/>
+                <a16:creationId xmlns:a16="http://schemas.microsoft.com/office/drawing/2014/main" id="{29658F95-C5B4-3D22-C12C-1BBBB3A6C44A}"/>
               </a:ext>
             </a:extLst>
           </p:cNvPr>
@@ -8038,7 +9122,7 @@
           <p:cNvPr id="11" name="Picture 10">
             <a:extLst>
               <a:ext uri="{FF2B5EF4-FFF2-40B4-BE49-F238E27FC236}">
-                <a16:creationId xmlns:a16="http://schemas.microsoft.com/office/drawing/2014/main" id="{635A987D-A908-3DD7-E534-A56D3339E9DA}"/>
+                <a16:creationId xmlns:a16="http://schemas.microsoft.com/office/drawing/2014/main" id="{BED8942C-917B-83B4-12D3-AFCCF9394CCE}"/>
               </a:ext>
             </a:extLst>
           </p:cNvPr>
@@ -8072,7 +9156,7 @@
     </p:spTree>
     <p:extLst>
       <p:ext uri="{BB962C8B-B14F-4D97-AF65-F5344CB8AC3E}">
-        <p14:creationId xmlns:p14="http://schemas.microsoft.com/office/powerpoint/2010/main" val="3147205926"/>
+        <p14:creationId xmlns:p14="http://schemas.microsoft.com/office/powerpoint/2010/main" val="4049142864"/>
       </p:ext>
     </p:extLst>
   </p:cSld>
@@ -8082,7 +9166,7 @@
 </p:sld>
 </file>
 
-<file path=ppt/slides/slide7.xml><?xml version="1.0" encoding="utf-8"?>
+<file path=ppt/slides/slide8.xml><?xml version="1.0" encoding="utf-8"?>
 <p:sld xmlns:a="http://schemas.openxmlformats.org/drawingml/2006/main" xmlns:r="http://schemas.openxmlformats.org/officeDocument/2006/relationships" xmlns:p="http://schemas.openxmlformats.org/presentationml/2006/main">
   <p:cSld>
     <p:spTree>
@@ -8218,179 +9302,6 @@
 </p:sld>
 </file>
 
-<file path=ppt/slides/slide8.xml><?xml version="1.0" encoding="utf-8"?>
-<p:sld xmlns:a="http://schemas.openxmlformats.org/drawingml/2006/main" xmlns:r="http://schemas.openxmlformats.org/officeDocument/2006/relationships" xmlns:p="http://schemas.openxmlformats.org/presentationml/2006/main">
-  <p:cSld>
-    <p:spTree>
-      <p:nvGrpSpPr>
-        <p:cNvPr id="1" name=""/>
-        <p:cNvGrpSpPr/>
-        <p:nvPr/>
-      </p:nvGrpSpPr>
-      <p:grpSpPr>
-        <a:xfrm>
-          <a:off x="0" y="0"/>
-          <a:ext cx="0" cy="0"/>
-          <a:chOff x="0" y="0"/>
-          <a:chExt cx="0" cy="0"/>
-        </a:xfrm>
-      </p:grpSpPr>
-      <p:sp>
-        <p:nvSpPr>
-          <p:cNvPr id="2" name="Title 1">
-            <a:extLst>
-              <a:ext uri="{FF2B5EF4-FFF2-40B4-BE49-F238E27FC236}">
-                <a16:creationId xmlns:a16="http://schemas.microsoft.com/office/drawing/2014/main" id="{25F3CE15-A79B-3709-8F57-35D4CFFFC3ED}"/>
-              </a:ext>
-            </a:extLst>
-          </p:cNvPr>
-          <p:cNvSpPr>
-            <a:spLocks noGrp="1"/>
-          </p:cNvSpPr>
-          <p:nvPr>
-            <p:ph type="title"/>
-          </p:nvPr>
-        </p:nvSpPr>
-        <p:spPr>
-          <a:xfrm>
-            <a:off x="672029" y="121185"/>
-            <a:ext cx="10620260" cy="1002535"/>
-          </a:xfrm>
-        </p:spPr>
-        <p:txBody>
-          <a:bodyPr/>
-          <a:lstStyle/>
-          <a:p>
-            <a:r>
-              <a:rPr lang="en-US" dirty="0"/>
-              <a:t>How Skills Fit Together</a:t>
-            </a:r>
-            <a:endParaRPr lang="en-US" b="1" dirty="0"/>
-          </a:p>
-        </p:txBody>
-      </p:sp>
-      <p:sp>
-        <p:nvSpPr>
-          <p:cNvPr id="3" name="Content Placeholder 2">
-            <a:extLst>
-              <a:ext uri="{FF2B5EF4-FFF2-40B4-BE49-F238E27FC236}">
-                <a16:creationId xmlns:a16="http://schemas.microsoft.com/office/drawing/2014/main" id="{4ED090BB-55E5-57DA-4C95-3C456F9B5487}"/>
-              </a:ext>
-            </a:extLst>
-          </p:cNvPr>
-          <p:cNvSpPr>
-            <a:spLocks noGrp="1"/>
-          </p:cNvSpPr>
-          <p:nvPr>
-            <p:ph idx="1"/>
-          </p:nvPr>
-        </p:nvSpPr>
-        <p:spPr>
-          <a:xfrm>
-            <a:off x="672029" y="1123721"/>
-            <a:ext cx="10939749" cy="5453350"/>
-          </a:xfrm>
-        </p:spPr>
-        <p:txBody>
-          <a:bodyPr>
-            <a:normAutofit/>
-          </a:bodyPr>
-          <a:lstStyle/>
-          <a:p>
-            <a:pPr marL="0" indent="0">
-              <a:buNone/>
-            </a:pPr>
-            <a:r>
-              <a:rPr lang="en-US" b="1" dirty="0"/>
-              <a:t>Layered Architecture</a:t>
-            </a:r>
-            <a:endParaRPr lang="en-US" dirty="0"/>
-          </a:p>
-          <a:p>
-            <a:pPr>
-              <a:buFont typeface="Arial" panose="020B0604020202020204" pitchFamily="34" charset="0"/>
-              <a:buChar char="•"/>
-            </a:pPr>
-            <a:r>
-              <a:rPr lang="en-US" sz="1800" dirty="0"/>
-              <a:t>Function Calls: execute actions</a:t>
-            </a:r>
-          </a:p>
-          <a:p>
-            <a:pPr>
-              <a:buFont typeface="Arial" panose="020B0604020202020204" pitchFamily="34" charset="0"/>
-              <a:buChar char="•"/>
-            </a:pPr>
-            <a:r>
-              <a:rPr lang="en-US" sz="1800" dirty="0"/>
-              <a:t>MCP: connect tools and data</a:t>
-            </a:r>
-          </a:p>
-          <a:p>
-            <a:pPr>
-              <a:buFont typeface="Arial" panose="020B0604020202020204" pitchFamily="34" charset="0"/>
-              <a:buChar char="•"/>
-            </a:pPr>
-            <a:r>
-              <a:rPr lang="en-US" sz="1800" dirty="0"/>
-              <a:t>Agent Skills: define expert behavior</a:t>
-            </a:r>
-          </a:p>
-          <a:p>
-            <a:pPr marL="0" indent="0">
-              <a:buNone/>
-            </a:pPr>
-            <a:r>
-              <a:rPr lang="en-US" b="1" dirty="0"/>
-              <a:t>Simple Analogy</a:t>
-            </a:r>
-            <a:endParaRPr lang="en-US" dirty="0"/>
-          </a:p>
-          <a:p>
-            <a:pPr>
-              <a:buFont typeface="Arial" panose="020B0604020202020204" pitchFamily="34" charset="0"/>
-              <a:buChar char="•"/>
-            </a:pPr>
-            <a:r>
-              <a:rPr lang="en-US" sz="1800" dirty="0"/>
-              <a:t>Tools = hands</a:t>
-            </a:r>
-          </a:p>
-          <a:p>
-            <a:pPr>
-              <a:buFont typeface="Arial" panose="020B0604020202020204" pitchFamily="34" charset="0"/>
-              <a:buChar char="•"/>
-            </a:pPr>
-            <a:r>
-              <a:rPr lang="en-US" sz="1800" dirty="0"/>
-              <a:t>MCP = toolbox</a:t>
-            </a:r>
-          </a:p>
-          <a:p>
-            <a:pPr>
-              <a:buFont typeface="Arial" panose="020B0604020202020204" pitchFamily="34" charset="0"/>
-              <a:buChar char="•"/>
-            </a:pPr>
-            <a:r>
-              <a:rPr lang="en-US" sz="1800" dirty="0"/>
-              <a:t>Skills = instructions from a senior expert</a:t>
-            </a:r>
-          </a:p>
-        </p:txBody>
-      </p:sp>
-    </p:spTree>
-    <p:extLst>
-      <p:ext uri="{BB962C8B-B14F-4D97-AF65-F5344CB8AC3E}">
-        <p14:creationId xmlns:p14="http://schemas.microsoft.com/office/powerpoint/2010/main" val="1447289713"/>
-      </p:ext>
-    </p:extLst>
-  </p:cSld>
-  <p:clrMapOvr>
-    <a:masterClrMapping/>
-  </p:clrMapOvr>
-</p:sld>
-</file>
-
 <file path=ppt/slides/slide9.xml><?xml version="1.0" encoding="utf-8"?>
 <p:sld xmlns:a="http://schemas.openxmlformats.org/drawingml/2006/main" xmlns:r="http://schemas.openxmlformats.org/officeDocument/2006/relationships" xmlns:p="http://schemas.openxmlformats.org/presentationml/2006/main">
   <p:cSld>
@@ -8436,7 +9347,7 @@
           <a:p>
             <a:r>
               <a:rPr lang="en-US" dirty="0"/>
-              <a:t>Use Case 1: Weekly Status Reports</a:t>
+              <a:t>How Skills Fit Together</a:t>
             </a:r>
             <a:endParaRPr lang="en-US" b="1" dirty="0"/>
           </a:p>
@@ -8475,7 +9386,7 @@
             </a:pPr>
             <a:r>
               <a:rPr lang="en-US" b="1" dirty="0"/>
-              <a:t>Without Skills</a:t>
+              <a:t>Layered Architecture</a:t>
             </a:r>
             <a:endParaRPr lang="en-US" dirty="0"/>
           </a:p>
@@ -8485,8 +9396,8 @@
               <a:buChar char="•"/>
             </a:pPr>
             <a:r>
-              <a:rPr lang="en-US" sz="1900" dirty="0"/>
-              <a:t>Inconsistent structure</a:t>
+              <a:rPr lang="en-US" sz="1800" dirty="0"/>
+              <a:t>Function Calls: execute actions</a:t>
             </a:r>
           </a:p>
           <a:p>
@@ -8495,8 +9406,8 @@
               <a:buChar char="•"/>
             </a:pPr>
             <a:r>
-              <a:rPr lang="en-US" sz="1900" dirty="0"/>
-              <a:t>Raw data dumping</a:t>
+              <a:rPr lang="en-US" sz="1800" dirty="0"/>
+              <a:t>MCP: connect tools and data</a:t>
             </a:r>
           </a:p>
           <a:p>
@@ -8505,8 +9416,8 @@
               <a:buChar char="•"/>
             </a:pPr>
             <a:r>
-              <a:rPr lang="en-US" sz="1900" dirty="0"/>
-              <a:t>Variable tone and quality</a:t>
+              <a:rPr lang="en-US" sz="1800" dirty="0"/>
+              <a:t>Agent Skills: define expert behavior</a:t>
             </a:r>
           </a:p>
           <a:p>
@@ -8515,7 +9426,7 @@
             </a:pPr>
             <a:r>
               <a:rPr lang="en-US" b="1" dirty="0"/>
-              <a:t>With Skills</a:t>
+              <a:t>Simple Analogy</a:t>
             </a:r>
             <a:endParaRPr lang="en-US" dirty="0"/>
           </a:p>
@@ -8526,7 +9437,7 @@
             </a:pPr>
             <a:r>
               <a:rPr lang="en-US" sz="1800" dirty="0"/>
-              <a:t>Standardized report format</a:t>
+              <a:t>Tools = hands</a:t>
             </a:r>
           </a:p>
           <a:p>
@@ -8536,7 +9447,7 @@
             </a:pPr>
             <a:r>
               <a:rPr lang="en-US" sz="1800" dirty="0"/>
-              <a:t>Clear summaries and priorities</a:t>
+              <a:t>MCP = toolbox</a:t>
             </a:r>
           </a:p>
           <a:p>
@@ -8546,47 +9457,7 @@
             </a:pPr>
             <a:r>
               <a:rPr lang="en-US" sz="1800" dirty="0"/>
-              <a:t>Consistent, professional output</a:t>
-            </a:r>
-          </a:p>
-          <a:p>
-            <a:pPr marL="0" indent="0">
-              <a:buNone/>
-            </a:pPr>
-            <a:r>
-              <a:rPr lang="en-US" b="1" dirty="0"/>
-              <a:t>Skill Defines</a:t>
-            </a:r>
-            <a:endParaRPr lang="en-US" dirty="0"/>
-          </a:p>
-          <a:p>
-            <a:pPr>
-              <a:buFont typeface="Arial" panose="020B0604020202020204" pitchFamily="34" charset="0"/>
-              <a:buChar char="•"/>
-            </a:pPr>
-            <a:r>
-              <a:rPr lang="en-US" sz="1800" dirty="0"/>
-              <a:t>What data to include</a:t>
-            </a:r>
-          </a:p>
-          <a:p>
-            <a:pPr>
-              <a:buFont typeface="Arial" panose="020B0604020202020204" pitchFamily="34" charset="0"/>
-              <a:buChar char="•"/>
-            </a:pPr>
-            <a:r>
-              <a:rPr lang="en-US" sz="1800" dirty="0"/>
-              <a:t>How to summarize</a:t>
-            </a:r>
-          </a:p>
-          <a:p>
-            <a:pPr>
-              <a:buFont typeface="Arial" panose="020B0604020202020204" pitchFamily="34" charset="0"/>
-              <a:buChar char="•"/>
-            </a:pPr>
-            <a:r>
-              <a:rPr lang="en-US" sz="1800" dirty="0"/>
-              <a:t>How to structure the report</a:t>
+              <a:t>Skills = instructions from a senior expert</a:t>
             </a:r>
           </a:p>
         </p:txBody>
@@ -8594,7 +9465,7 @@
     </p:spTree>
     <p:extLst>
       <p:ext uri="{BB962C8B-B14F-4D97-AF65-F5344CB8AC3E}">
-        <p14:creationId xmlns:p14="http://schemas.microsoft.com/office/powerpoint/2010/main" val="1923916138"/>
+        <p14:creationId xmlns:p14="http://schemas.microsoft.com/office/powerpoint/2010/main" val="1447289713"/>
       </p:ext>
     </p:extLst>
   </p:cSld>
